--- a/sessions/session-09/slides.pptx
+++ b/sessions/session-09/slides.pptx
@@ -4688,29 +4688,27 @@
         <p:spPr>
           <a:xfrm>
             <a:off x="355550" y="1582489"/>
-            <a:ext cx="8601557" cy="651272"/>
-          </a:xfrm>
-          <a:prstGeom prst="rect">
-            <a:avLst/>
-          </a:prstGeom>
-          <a:noFill/>
-          <a:ln/>
-        </p:spPr>
-        <p:txBody>
-          <a:bodyPr wrap="square" lIns="0" tIns="0" rIns="0" bIns="0" rtlCol="0" anchor="t"/>
-          <a:lstStyle/>
-          <a:p>
-            <a:pPr algn="l" indent="0" marL="0">
-              <a:lnSpc>
-                <a:spcPts val="2565"/>
-              </a:lnSpc>
-              <a:spcBef>
-                <a:spcPts val="500"/>
-              </a:spcBef>
-              <a:spcAft>
-                <a:spcPts val="500"/>
-              </a:spcAft>
-              <a:buNone/>
+            <a:ext cx="8432899" cy="2106216"/>
+          </a:xfrm>
+          <a:prstGeom prst="rect">
+            <a:avLst/>
+          </a:prstGeom>
+          <a:noFill/>
+          <a:ln/>
+        </p:spPr>
+        <p:txBody>
+          <a:bodyPr wrap="square" lIns="165100" tIns="0" rIns="0" bIns="0" rtlCol="0" anchor="t"/>
+          <a:lstStyle/>
+          <a:p>
+            <a:pPr algn="l" marL="165100" indent="-165100">
+              <a:lnSpc>
+                <a:spcPts val="2565"/>
+              </a:lnSpc>
+              <a:spcAft>
+                <a:spcPts val="300"/>
+              </a:spcAft>
+              <a:buSzPct val="100000"/>
+              <a:buChar char="•"/>
             </a:pPr>
             <a:r>
               <a:rPr lang="en-US" sz="1900" b="1" dirty="0">
@@ -4721,17 +4719,14 @@
                 <a:ea typeface="Arial" pitchFamily="34" charset="-122"/>
                 <a:cs typeface="Arial" pitchFamily="34" charset="-120"/>
               </a:rPr>
-              <a:t>1. Scheduling Conflicts</a:t>
-            </a:r>
-            <a:pPr algn="l" indent="0" marL="0">
-              <a:lnSpc>
-                <a:spcPts val="2565"/>
-              </a:lnSpc>
-              <a:spcBef>
-                <a:spcPts val="500"/>
-              </a:spcBef>
-              <a:spcAft>
-                <a:spcPts val="500"/>
+              <a:t>Scheduling Conflicts</a:t>
+            </a:r>
+            <a:pPr algn="l" indent="0" marL="0">
+              <a:lnSpc>
+                <a:spcPts val="2565"/>
+              </a:lnSpc>
+              <a:spcAft>
+                <a:spcPts val="300"/>
               </a:spcAft>
               <a:buNone/>
             </a:pPr>
@@ -4748,40 +4743,16 @@
             </a:r>
             <a:endParaRPr lang="en-US" sz="1900" dirty="0"/>
           </a:p>
-        </p:txBody>
-      </p:sp>
-      <p:sp>
-        <p:nvSpPr>
-          <p:cNvPr id="6" name="Text 4"/>
-          <p:cNvSpPr/>
-          <p:nvPr/>
-        </p:nvSpPr>
-        <p:spPr>
-          <a:xfrm>
-            <a:off x="355550" y="2360563"/>
-            <a:ext cx="8601557" cy="651272"/>
-          </a:xfrm>
-          <a:prstGeom prst="rect">
-            <a:avLst/>
-          </a:prstGeom>
-          <a:noFill/>
-          <a:ln/>
-        </p:spPr>
-        <p:txBody>
-          <a:bodyPr wrap="square" lIns="0" tIns="0" rIns="0" bIns="0" rtlCol="0" anchor="t"/>
-          <a:lstStyle/>
-          <a:p>
-            <a:pPr algn="l" indent="0" marL="0">
-              <a:lnSpc>
-                <a:spcPts val="2565"/>
-              </a:lnSpc>
-              <a:spcBef>
-                <a:spcPts val="500"/>
-              </a:spcBef>
-              <a:spcAft>
-                <a:spcPts val="500"/>
-              </a:spcAft>
-              <a:buNone/>
+          <a:p>
+            <a:pPr algn="l" marL="165100" indent="-165100">
+              <a:lnSpc>
+                <a:spcPts val="2565"/>
+              </a:lnSpc>
+              <a:spcAft>
+                <a:spcPts val="300"/>
+              </a:spcAft>
+              <a:buSzPct val="100000"/>
+              <a:buChar char="•"/>
             </a:pPr>
             <a:r>
               <a:rPr lang="en-US" sz="1900" b="1" dirty="0">
@@ -4792,17 +4763,14 @@
                 <a:ea typeface="Arial" pitchFamily="34" charset="-122"/>
                 <a:cs typeface="Arial" pitchFamily="34" charset="-120"/>
               </a:rPr>
-              <a:t>2. Resource Bottlenecks</a:t>
-            </a:r>
-            <a:pPr algn="l" indent="0" marL="0">
-              <a:lnSpc>
-                <a:spcPts val="2565"/>
-              </a:lnSpc>
-              <a:spcBef>
-                <a:spcPts val="500"/>
-              </a:spcBef>
-              <a:spcAft>
-                <a:spcPts val="500"/>
+              <a:t>Resource Bottlenecks</a:t>
+            </a:r>
+            <a:pPr algn="l" indent="0" marL="0">
+              <a:lnSpc>
+                <a:spcPts val="2565"/>
+              </a:lnSpc>
+              <a:spcAft>
+                <a:spcPts val="300"/>
               </a:spcAft>
               <a:buNone/>
             </a:pPr>
@@ -4819,40 +4787,16 @@
             </a:r>
             <a:endParaRPr lang="en-US" sz="1900" dirty="0"/>
           </a:p>
-        </p:txBody>
-      </p:sp>
-      <p:sp>
-        <p:nvSpPr>
-          <p:cNvPr id="7" name="Text 5"/>
-          <p:cNvSpPr/>
-          <p:nvPr/>
-        </p:nvSpPr>
-        <p:spPr>
-          <a:xfrm>
-            <a:off x="355550" y="3138636"/>
-            <a:ext cx="8601557" cy="651272"/>
-          </a:xfrm>
-          <a:prstGeom prst="rect">
-            <a:avLst/>
-          </a:prstGeom>
-          <a:noFill/>
-          <a:ln/>
-        </p:spPr>
-        <p:txBody>
-          <a:bodyPr wrap="square" lIns="0" tIns="0" rIns="0" bIns="0" rtlCol="0" anchor="t"/>
-          <a:lstStyle/>
-          <a:p>
-            <a:pPr algn="l" indent="0" marL="0">
-              <a:lnSpc>
-                <a:spcPts val="2565"/>
-              </a:lnSpc>
-              <a:spcBef>
-                <a:spcPts val="500"/>
-              </a:spcBef>
-              <a:spcAft>
-                <a:spcPts val="500"/>
-              </a:spcAft>
-              <a:buNone/>
+          <a:p>
+            <a:pPr algn="l" marL="165100" indent="-165100">
+              <a:lnSpc>
+                <a:spcPts val="2565"/>
+              </a:lnSpc>
+              <a:spcAft>
+                <a:spcPts val="300"/>
+              </a:spcAft>
+              <a:buSzPct val="100000"/>
+              <a:buChar char="•"/>
             </a:pPr>
             <a:r>
               <a:rPr lang="en-US" sz="1900" b="1" dirty="0">
@@ -4863,17 +4807,14 @@
                 <a:ea typeface="Arial" pitchFamily="34" charset="-122"/>
                 <a:cs typeface="Arial" pitchFamily="34" charset="-120"/>
               </a:rPr>
-              <a:t>3. Missing Dependencies</a:t>
-            </a:r>
-            <a:pPr algn="l" indent="0" marL="0">
-              <a:lnSpc>
-                <a:spcPts val="2565"/>
-              </a:lnSpc>
-              <a:spcBef>
-                <a:spcPts val="500"/>
-              </a:spcBef>
-              <a:spcAft>
-                <a:spcPts val="500"/>
+              <a:t>Missing Dependencies</a:t>
+            </a:r>
+            <a:pPr algn="l" indent="0" marL="0">
+              <a:lnSpc>
+                <a:spcPts val="2565"/>
+              </a:lnSpc>
+              <a:spcAft>
+                <a:spcPts val="300"/>
               </a:spcAft>
               <a:buNone/>
             </a:pPr>
@@ -4906,7 +4847,7 @@
     <p:bg>
       <p:bgPr>
         <a:solidFill>
-          <a:srgbClr val="FFFFFF"/>
+          <a:srgbClr val="F4F1DE"/>
         </a:solidFill>
       </p:bgPr>
     </p:bg>
@@ -4933,7 +4874,7 @@
         <p:spPr>
           <a:xfrm>
             <a:off x="0" y="0"/>
-            <a:ext cx="9144000" cy="863501"/>
+            <a:ext cx="9144000" cy="914102"/>
           </a:xfrm>
           <a:prstGeom prst="rect">
             <a:avLst/>
@@ -4962,7 +4903,7 @@
         </p:nvSpPr>
         <p:spPr>
           <a:xfrm>
-            <a:off x="355550" y="246013"/>
+            <a:off x="457200" y="271314"/>
             <a:ext cx="4397934" cy="371475"/>
           </a:xfrm>
           <a:prstGeom prst="rect">
@@ -4990,6 +4931,1047 @@
               <a:t>Evaluating: Farm Examples</a:t>
             </a:r>
             <a:endParaRPr lang="en-US" sz="2600" dirty="0"/>
+          </a:p>
+        </p:txBody>
+      </p:sp>
+      <p:sp>
+        <p:nvSpPr>
+          <p:cNvPr id="4" name="Text 2"/>
+          <p:cNvSpPr/>
+          <p:nvPr/>
+        </p:nvSpPr>
+        <p:spPr>
+          <a:xfrm>
+            <a:off x="457200" y="1015603"/>
+            <a:ext cx="8394192" cy="266700"/>
+          </a:xfrm>
+          <a:prstGeom prst="rect">
+            <a:avLst/>
+          </a:prstGeom>
+          <a:noFill/>
+          <a:ln/>
+        </p:spPr>
+        <p:txBody>
+          <a:bodyPr wrap="square" lIns="0" tIns="0" rIns="0" bIns="0" rtlCol="0" anchor="t"/>
+          <a:lstStyle/>
+          <a:p>
+            <a:pPr algn="l" indent="0" marL="0">
+              <a:spcAft>
+                <a:spcPts val="600"/>
+              </a:spcAft>
+              <a:buNone/>
+            </a:pPr>
+            <a:r>
+              <a:rPr lang="en-US" sz="1800" b="1" dirty="0">
+                <a:solidFill>
+                  <a:srgbClr val="2C2C2C"/>
+                </a:solidFill>
+                <a:latin typeface="Arial" pitchFamily="34" charset="0"/>
+                <a:ea typeface="Arial" pitchFamily="34" charset="-122"/>
+                <a:cs typeface="Arial" pitchFamily="34" charset="-120"/>
+              </a:rPr>
+              <a:t>Example conflicts to spot on a roadmap:</a:t>
+            </a:r>
+            <a:endParaRPr lang="en-US" sz="1800" dirty="0"/>
+          </a:p>
+        </p:txBody>
+      </p:sp>
+      <p:sp>
+        <p:nvSpPr>
+          <p:cNvPr id="5" name="Text 3"/>
+          <p:cNvSpPr/>
+          <p:nvPr/>
+        </p:nvSpPr>
+        <p:spPr>
+          <a:xfrm>
+            <a:off x="457200" y="1358503"/>
+            <a:ext cx="8229600" cy="336352"/>
+          </a:xfrm>
+          <a:prstGeom prst="roundRect">
+            <a:avLst>
+              <a:gd name="adj" fmla="val 15103"/>
+            </a:avLst>
+          </a:prstGeom>
+          <a:solidFill>
+            <a:srgbClr val="1E5128"/>
+          </a:solidFill>
+          <a:ln/>
+        </p:spPr>
+        <p:txBody>
+          <a:bodyPr wrap="square" rtlCol="0" anchor="ctr"/>
+          <a:lstStyle/>
+          <a:p>
+            <a:pPr indent="0" marL="0">
+              <a:buNone/>
+            </a:pPr>
+            <a:endParaRPr lang="en-US" dirty="0"/>
+          </a:p>
+        </p:txBody>
+      </p:sp>
+      <p:sp>
+        <p:nvSpPr>
+          <p:cNvPr id="6" name="Text 4"/>
+          <p:cNvSpPr/>
+          <p:nvPr/>
+        </p:nvSpPr>
+        <p:spPr>
+          <a:xfrm>
+            <a:off x="457200" y="1358503"/>
+            <a:ext cx="2798064" cy="336352"/>
+          </a:xfrm>
+          <a:prstGeom prst="rect">
+            <a:avLst/>
+          </a:prstGeom>
+          <a:noFill/>
+          <a:ln/>
+        </p:spPr>
+        <p:txBody>
+          <a:bodyPr wrap="square" lIns="88900" tIns="63500" rIns="88900" bIns="63500" rtlCol="0" anchor="t"/>
+          <a:lstStyle/>
+          <a:p>
+            <a:pPr algn="l" indent="0" marL="0">
+              <a:buNone/>
+            </a:pPr>
+            <a:r>
+              <a:rPr lang="en-US" sz="1400" b="1" dirty="0">
+                <a:solidFill>
+                  <a:srgbClr val="FFFFFF"/>
+                </a:solidFill>
+                <a:latin typeface="Arial" pitchFamily="34" charset="0"/>
+                <a:ea typeface="Arial" pitchFamily="34" charset="-122"/>
+                <a:cs typeface="Arial" pitchFamily="34" charset="-120"/>
+              </a:rPr>
+              <a:t>What You See</a:t>
+            </a:r>
+            <a:endParaRPr lang="en-US" sz="1400" dirty="0"/>
+          </a:p>
+        </p:txBody>
+      </p:sp>
+      <p:sp>
+        <p:nvSpPr>
+          <p:cNvPr id="7" name="Text 5"/>
+          <p:cNvSpPr/>
+          <p:nvPr/>
+        </p:nvSpPr>
+        <p:spPr>
+          <a:xfrm>
+            <a:off x="3200400" y="1358503"/>
+            <a:ext cx="2798064" cy="336352"/>
+          </a:xfrm>
+          <a:prstGeom prst="rect">
+            <a:avLst/>
+          </a:prstGeom>
+          <a:noFill/>
+          <a:ln/>
+        </p:spPr>
+        <p:txBody>
+          <a:bodyPr wrap="square" lIns="88900" tIns="63500" rIns="88900" bIns="63500" rtlCol="0" anchor="t"/>
+          <a:lstStyle/>
+          <a:p>
+            <a:pPr algn="l" indent="0" marL="0">
+              <a:buNone/>
+            </a:pPr>
+            <a:r>
+              <a:rPr lang="en-US" sz="1400" b="1" dirty="0">
+                <a:solidFill>
+                  <a:srgbClr val="FFFFFF"/>
+                </a:solidFill>
+                <a:latin typeface="Arial" pitchFamily="34" charset="0"/>
+                <a:ea typeface="Arial" pitchFamily="34" charset="-122"/>
+                <a:cs typeface="Arial" pitchFamily="34" charset="-120"/>
+              </a:rPr>
+              <a:t>The Problem</a:t>
+            </a:r>
+            <a:endParaRPr lang="en-US" sz="1400" dirty="0"/>
+          </a:p>
+        </p:txBody>
+      </p:sp>
+      <p:sp>
+        <p:nvSpPr>
+          <p:cNvPr id="8" name="Text 6"/>
+          <p:cNvSpPr/>
+          <p:nvPr/>
+        </p:nvSpPr>
+        <p:spPr>
+          <a:xfrm>
+            <a:off x="5943600" y="1358503"/>
+            <a:ext cx="2798064" cy="336352"/>
+          </a:xfrm>
+          <a:prstGeom prst="rect">
+            <a:avLst/>
+          </a:prstGeom>
+          <a:noFill/>
+          <a:ln/>
+        </p:spPr>
+        <p:txBody>
+          <a:bodyPr wrap="square" lIns="88900" tIns="63500" rIns="88900" bIns="63500" rtlCol="0" anchor="t"/>
+          <a:lstStyle/>
+          <a:p>
+            <a:pPr algn="l" indent="0" marL="0">
+              <a:buNone/>
+            </a:pPr>
+            <a:r>
+              <a:rPr lang="en-US" sz="1400" b="1" dirty="0">
+                <a:solidFill>
+                  <a:srgbClr val="FFFFFF"/>
+                </a:solidFill>
+                <a:latin typeface="Arial" pitchFamily="34" charset="0"/>
+                <a:ea typeface="Arial" pitchFamily="34" charset="-122"/>
+                <a:cs typeface="Arial" pitchFamily="34" charset="-120"/>
+              </a:rPr>
+              <a:t>The Fix</a:t>
+            </a:r>
+            <a:endParaRPr lang="en-US" sz="1400" dirty="0"/>
+          </a:p>
+        </p:txBody>
+      </p:sp>
+      <p:sp>
+        <p:nvSpPr>
+          <p:cNvPr id="9" name="Text 7"/>
+          <p:cNvSpPr/>
+          <p:nvPr/>
+        </p:nvSpPr>
+        <p:spPr>
+          <a:xfrm>
+            <a:off x="457200" y="1694855"/>
+            <a:ext cx="8229600" cy="511076"/>
+          </a:xfrm>
+          <a:prstGeom prst="rect">
+            <a:avLst/>
+          </a:prstGeom>
+          <a:solidFill>
+            <a:srgbClr val="F4F1DE"/>
+          </a:solidFill>
+          <a:ln/>
+        </p:spPr>
+        <p:txBody>
+          <a:bodyPr wrap="square" rtlCol="0" anchor="ctr"/>
+          <a:lstStyle/>
+          <a:p>
+            <a:pPr indent="0" marL="0">
+              <a:buNone/>
+            </a:pPr>
+            <a:endParaRPr lang="en-US" dirty="0"/>
+          </a:p>
+        </p:txBody>
+      </p:sp>
+      <p:sp>
+        <p:nvSpPr>
+          <p:cNvPr id="10" name="Shape 8"/>
+          <p:cNvSpPr/>
+          <p:nvPr/>
+        </p:nvSpPr>
+        <p:spPr>
+          <a:xfrm>
+            <a:off x="457200" y="2201168"/>
+            <a:ext cx="8229600" cy="0"/>
+          </a:xfrm>
+          <a:prstGeom prst="line">
+            <a:avLst/>
+          </a:prstGeom>
+          <a:noFill/>
+          <a:ln w="9525">
+            <a:solidFill>
+              <a:srgbClr val="CCCCCC"/>
+            </a:solidFill>
+            <a:prstDash val="solid"/>
+          </a:ln>
+        </p:spPr>
+      </p:sp>
+      <p:sp>
+        <p:nvSpPr>
+          <p:cNvPr id="11" name="Text 9"/>
+          <p:cNvSpPr/>
+          <p:nvPr/>
+        </p:nvSpPr>
+        <p:spPr>
+          <a:xfrm>
+            <a:off x="457200" y="1694855"/>
+            <a:ext cx="2798064" cy="501551"/>
+          </a:xfrm>
+          <a:prstGeom prst="rect">
+            <a:avLst/>
+          </a:prstGeom>
+          <a:noFill/>
+          <a:ln/>
+        </p:spPr>
+        <p:txBody>
+          <a:bodyPr wrap="square" lIns="88900" tIns="50800" rIns="88900" bIns="50800" rtlCol="0" anchor="t"/>
+          <a:lstStyle/>
+          <a:p>
+            <a:pPr algn="l" indent="0" marL="0">
+              <a:buNone/>
+            </a:pPr>
+            <a:r>
+              <a:rPr lang="en-US" sz="1300" dirty="0">
+                <a:solidFill>
+                  <a:srgbClr val="2C2C2C"/>
+                </a:solidFill>
+                <a:latin typeface="Arial" pitchFamily="34" charset="0"/>
+                <a:ea typeface="Arial" pitchFamily="34" charset="-122"/>
+                <a:cs typeface="Arial" pitchFamily="34" charset="-120"/>
+              </a:rPr>
+              <a:t>Tractor service overlaps planting</a:t>
+            </a:r>
+            <a:endParaRPr lang="en-US" sz="1300" dirty="0"/>
+          </a:p>
+        </p:txBody>
+      </p:sp>
+      <p:sp>
+        <p:nvSpPr>
+          <p:cNvPr id="12" name="Text 10"/>
+          <p:cNvSpPr/>
+          <p:nvPr/>
+        </p:nvSpPr>
+        <p:spPr>
+          <a:xfrm>
+            <a:off x="3200400" y="1694855"/>
+            <a:ext cx="2798064" cy="501551"/>
+          </a:xfrm>
+          <a:prstGeom prst="rect">
+            <a:avLst/>
+          </a:prstGeom>
+          <a:noFill/>
+          <a:ln/>
+        </p:spPr>
+        <p:txBody>
+          <a:bodyPr wrap="square" lIns="88900" tIns="50800" rIns="88900" bIns="50800" rtlCol="0" anchor="t"/>
+          <a:lstStyle/>
+          <a:p>
+            <a:pPr algn="l" indent="0" marL="0">
+              <a:buNone/>
+            </a:pPr>
+            <a:r>
+              <a:rPr lang="en-US" sz="1300" dirty="0">
+                <a:solidFill>
+                  <a:srgbClr val="2C2C2C"/>
+                </a:solidFill>
+                <a:latin typeface="Arial" pitchFamily="34" charset="0"/>
+                <a:ea typeface="Arial" pitchFamily="34" charset="-122"/>
+                <a:cs typeface="Arial" pitchFamily="34" charset="-120"/>
+              </a:rPr>
+              <a:t>Tractor in the shop when needed in the field</a:t>
+            </a:r>
+            <a:endParaRPr lang="en-US" sz="1300" dirty="0"/>
+          </a:p>
+        </p:txBody>
+      </p:sp>
+      <p:sp>
+        <p:nvSpPr>
+          <p:cNvPr id="13" name="Text 11"/>
+          <p:cNvSpPr/>
+          <p:nvPr/>
+        </p:nvSpPr>
+        <p:spPr>
+          <a:xfrm>
+            <a:off x="5943600" y="1694855"/>
+            <a:ext cx="2798064" cy="501551"/>
+          </a:xfrm>
+          <a:prstGeom prst="rect">
+            <a:avLst/>
+          </a:prstGeom>
+          <a:noFill/>
+          <a:ln/>
+        </p:spPr>
+        <p:txBody>
+          <a:bodyPr wrap="square" lIns="88900" tIns="50800" rIns="88900" bIns="50800" rtlCol="0" anchor="t"/>
+          <a:lstStyle/>
+          <a:p>
+            <a:pPr algn="l" indent="0" marL="0">
+              <a:buNone/>
+            </a:pPr>
+            <a:r>
+              <a:rPr lang="en-US" sz="1300" dirty="0">
+                <a:solidFill>
+                  <a:srgbClr val="2C2C2C"/>
+                </a:solidFill>
+                <a:latin typeface="Arial" pitchFamily="34" charset="0"/>
+                <a:ea typeface="Arial" pitchFamily="34" charset="-122"/>
+                <a:cs typeface="Arial" pitchFamily="34" charset="-120"/>
+              </a:rPr>
+              <a:t>Move service to 2 weeks before planting</a:t>
+            </a:r>
+            <a:endParaRPr lang="en-US" sz="1300" dirty="0"/>
+          </a:p>
+        </p:txBody>
+      </p:sp>
+      <p:sp>
+        <p:nvSpPr>
+          <p:cNvPr id="14" name="Text 12"/>
+          <p:cNvSpPr/>
+          <p:nvPr/>
+        </p:nvSpPr>
+        <p:spPr>
+          <a:xfrm>
+            <a:off x="457200" y="2205930"/>
+            <a:ext cx="8229600" cy="511076"/>
+          </a:xfrm>
+          <a:prstGeom prst="rect">
+            <a:avLst/>
+          </a:prstGeom>
+          <a:solidFill>
+            <a:srgbClr val="FFFFFF"/>
+          </a:solidFill>
+          <a:ln/>
+        </p:spPr>
+        <p:txBody>
+          <a:bodyPr wrap="square" rtlCol="0" anchor="ctr"/>
+          <a:lstStyle/>
+          <a:p>
+            <a:pPr indent="0" marL="0">
+              <a:buNone/>
+            </a:pPr>
+            <a:endParaRPr lang="en-US" dirty="0"/>
+          </a:p>
+        </p:txBody>
+      </p:sp>
+      <p:sp>
+        <p:nvSpPr>
+          <p:cNvPr id="15" name="Shape 13"/>
+          <p:cNvSpPr/>
+          <p:nvPr/>
+        </p:nvSpPr>
+        <p:spPr>
+          <a:xfrm>
+            <a:off x="457200" y="2712244"/>
+            <a:ext cx="8229600" cy="0"/>
+          </a:xfrm>
+          <a:prstGeom prst="line">
+            <a:avLst/>
+          </a:prstGeom>
+          <a:noFill/>
+          <a:ln w="9525">
+            <a:solidFill>
+              <a:srgbClr val="CCCCCC"/>
+            </a:solidFill>
+            <a:prstDash val="solid"/>
+          </a:ln>
+        </p:spPr>
+      </p:sp>
+      <p:sp>
+        <p:nvSpPr>
+          <p:cNvPr id="16" name="Text 14"/>
+          <p:cNvSpPr/>
+          <p:nvPr/>
+        </p:nvSpPr>
+        <p:spPr>
+          <a:xfrm>
+            <a:off x="457200" y="2205930"/>
+            <a:ext cx="2798064" cy="501551"/>
+          </a:xfrm>
+          <a:prstGeom prst="rect">
+            <a:avLst/>
+          </a:prstGeom>
+          <a:noFill/>
+          <a:ln/>
+        </p:spPr>
+        <p:txBody>
+          <a:bodyPr wrap="square" lIns="88900" tIns="50800" rIns="88900" bIns="50800" rtlCol="0" anchor="t"/>
+          <a:lstStyle/>
+          <a:p>
+            <a:pPr algn="l" indent="0" marL="0">
+              <a:buNone/>
+            </a:pPr>
+            <a:r>
+              <a:rPr lang="en-US" sz="1300" dirty="0">
+                <a:solidFill>
+                  <a:srgbClr val="2C2C2C"/>
+                </a:solidFill>
+                <a:latin typeface="Arial" pitchFamily="34" charset="0"/>
+                <a:ea typeface="Arial" pitchFamily="34" charset="-122"/>
+                <a:cs typeface="Arial" pitchFamily="34" charset="-120"/>
+              </a:rPr>
+              <a:t>Corn &amp; soybean planting same week</a:t>
+            </a:r>
+            <a:endParaRPr lang="en-US" sz="1300" dirty="0"/>
+          </a:p>
+        </p:txBody>
+      </p:sp>
+      <p:sp>
+        <p:nvSpPr>
+          <p:cNvPr id="17" name="Text 15"/>
+          <p:cNvSpPr/>
+          <p:nvPr/>
+        </p:nvSpPr>
+        <p:spPr>
+          <a:xfrm>
+            <a:off x="3200400" y="2205930"/>
+            <a:ext cx="2798064" cy="501551"/>
+          </a:xfrm>
+          <a:prstGeom prst="rect">
+            <a:avLst/>
+          </a:prstGeom>
+          <a:noFill/>
+          <a:ln/>
+        </p:spPr>
+        <p:txBody>
+          <a:bodyPr wrap="square" lIns="88900" tIns="50800" rIns="88900" bIns="50800" rtlCol="0" anchor="t"/>
+          <a:lstStyle/>
+          <a:p>
+            <a:pPr algn="l" indent="0" marL="0">
+              <a:buNone/>
+            </a:pPr>
+            <a:r>
+              <a:rPr lang="en-US" sz="1300" dirty="0">
+                <a:solidFill>
+                  <a:srgbClr val="2C2C2C"/>
+                </a:solidFill>
+                <a:latin typeface="Arial" pitchFamily="34" charset="0"/>
+                <a:ea typeface="Arial" pitchFamily="34" charset="-122"/>
+                <a:cs typeface="Arial" pitchFamily="34" charset="-120"/>
+              </a:rPr>
+              <a:t>Not enough labor/equipment for both</a:t>
+            </a:r>
+            <a:endParaRPr lang="en-US" sz="1300" dirty="0"/>
+          </a:p>
+        </p:txBody>
+      </p:sp>
+      <p:sp>
+        <p:nvSpPr>
+          <p:cNvPr id="18" name="Text 16"/>
+          <p:cNvSpPr/>
+          <p:nvPr/>
+        </p:nvSpPr>
+        <p:spPr>
+          <a:xfrm>
+            <a:off x="5943600" y="2205930"/>
+            <a:ext cx="2798064" cy="501551"/>
+          </a:xfrm>
+          <a:prstGeom prst="rect">
+            <a:avLst/>
+          </a:prstGeom>
+          <a:noFill/>
+          <a:ln/>
+        </p:spPr>
+        <p:txBody>
+          <a:bodyPr wrap="square" lIns="88900" tIns="50800" rIns="88900" bIns="50800" rtlCol="0" anchor="t"/>
+          <a:lstStyle/>
+          <a:p>
+            <a:pPr algn="l" indent="0" marL="0">
+              <a:buNone/>
+            </a:pPr>
+            <a:r>
+              <a:rPr lang="en-US" sz="1300" dirty="0">
+                <a:solidFill>
+                  <a:srgbClr val="2C2C2C"/>
+                </a:solidFill>
+                <a:latin typeface="Arial" pitchFamily="34" charset="0"/>
+                <a:ea typeface="Arial" pitchFamily="34" charset="-122"/>
+                <a:cs typeface="Arial" pitchFamily="34" charset="-120"/>
+              </a:rPr>
+              <a:t>Stagger: corn Week 1, soybeans Week 3</a:t>
+            </a:r>
+            <a:endParaRPr lang="en-US" sz="1300" dirty="0"/>
+          </a:p>
+        </p:txBody>
+      </p:sp>
+      <p:sp>
+        <p:nvSpPr>
+          <p:cNvPr id="19" name="Text 17"/>
+          <p:cNvSpPr/>
+          <p:nvPr/>
+        </p:nvSpPr>
+        <p:spPr>
+          <a:xfrm>
+            <a:off x="457200" y="2717006"/>
+            <a:ext cx="8229600" cy="511076"/>
+          </a:xfrm>
+          <a:prstGeom prst="rect">
+            <a:avLst/>
+          </a:prstGeom>
+          <a:solidFill>
+            <a:srgbClr val="F4F1DE"/>
+          </a:solidFill>
+          <a:ln/>
+        </p:spPr>
+        <p:txBody>
+          <a:bodyPr wrap="square" rtlCol="0" anchor="ctr"/>
+          <a:lstStyle/>
+          <a:p>
+            <a:pPr indent="0" marL="0">
+              <a:buNone/>
+            </a:pPr>
+            <a:endParaRPr lang="en-US" dirty="0"/>
+          </a:p>
+        </p:txBody>
+      </p:sp>
+      <p:sp>
+        <p:nvSpPr>
+          <p:cNvPr id="20" name="Shape 18"/>
+          <p:cNvSpPr/>
+          <p:nvPr/>
+        </p:nvSpPr>
+        <p:spPr>
+          <a:xfrm>
+            <a:off x="457200" y="3223320"/>
+            <a:ext cx="8229600" cy="0"/>
+          </a:xfrm>
+          <a:prstGeom prst="line">
+            <a:avLst/>
+          </a:prstGeom>
+          <a:noFill/>
+          <a:ln w="9525">
+            <a:solidFill>
+              <a:srgbClr val="CCCCCC"/>
+            </a:solidFill>
+            <a:prstDash val="solid"/>
+          </a:ln>
+        </p:spPr>
+      </p:sp>
+      <p:sp>
+        <p:nvSpPr>
+          <p:cNvPr id="21" name="Text 19"/>
+          <p:cNvSpPr/>
+          <p:nvPr/>
+        </p:nvSpPr>
+        <p:spPr>
+          <a:xfrm>
+            <a:off x="457200" y="2717006"/>
+            <a:ext cx="2798064" cy="501551"/>
+          </a:xfrm>
+          <a:prstGeom prst="rect">
+            <a:avLst/>
+          </a:prstGeom>
+          <a:noFill/>
+          <a:ln/>
+        </p:spPr>
+        <p:txBody>
+          <a:bodyPr wrap="square" lIns="88900" tIns="50800" rIns="88900" bIns="50800" rtlCol="0" anchor="t"/>
+          <a:lstStyle/>
+          <a:p>
+            <a:pPr algn="l" indent="0" marL="0">
+              <a:buNone/>
+            </a:pPr>
+            <a:r>
+              <a:rPr lang="en-US" sz="1300" dirty="0">
+                <a:solidFill>
+                  <a:srgbClr val="2C2C2C"/>
+                </a:solidFill>
+                <a:latin typeface="Arial" pitchFamily="34" charset="0"/>
+                <a:ea typeface="Arial" pitchFamily="34" charset="-122"/>
+                <a:cs typeface="Arial" pitchFamily="34" charset="-120"/>
+              </a:rPr>
+              <a:t>Harvest starts before growing ends</a:t>
+            </a:r>
+            <a:endParaRPr lang="en-US" sz="1300" dirty="0"/>
+          </a:p>
+        </p:txBody>
+      </p:sp>
+      <p:sp>
+        <p:nvSpPr>
+          <p:cNvPr id="22" name="Text 20"/>
+          <p:cNvSpPr/>
+          <p:nvPr/>
+        </p:nvSpPr>
+        <p:spPr>
+          <a:xfrm>
+            <a:off x="3200400" y="2717006"/>
+            <a:ext cx="2798064" cy="501551"/>
+          </a:xfrm>
+          <a:prstGeom prst="rect">
+            <a:avLst/>
+          </a:prstGeom>
+          <a:noFill/>
+          <a:ln/>
+        </p:spPr>
+        <p:txBody>
+          <a:bodyPr wrap="square" lIns="88900" tIns="50800" rIns="88900" bIns="50800" rtlCol="0" anchor="t"/>
+          <a:lstStyle/>
+          <a:p>
+            <a:pPr algn="l" indent="0" marL="0">
+              <a:buNone/>
+            </a:pPr>
+            <a:r>
+              <a:rPr lang="en-US" sz="1300" dirty="0">
+                <a:solidFill>
+                  <a:srgbClr val="2C2C2C"/>
+                </a:solidFill>
+                <a:latin typeface="Arial" pitchFamily="34" charset="0"/>
+                <a:ea typeface="Arial" pitchFamily="34" charset="-122"/>
+                <a:cs typeface="Arial" pitchFamily="34" charset="-120"/>
+              </a:rPr>
+              <a:t>Harvest scheduled too early</a:t>
+            </a:r>
+            <a:endParaRPr lang="en-US" sz="1300" dirty="0"/>
+          </a:p>
+        </p:txBody>
+      </p:sp>
+      <p:sp>
+        <p:nvSpPr>
+          <p:cNvPr id="23" name="Text 21"/>
+          <p:cNvSpPr/>
+          <p:nvPr/>
+        </p:nvSpPr>
+        <p:spPr>
+          <a:xfrm>
+            <a:off x="5943600" y="2717006"/>
+            <a:ext cx="2798064" cy="501551"/>
+          </a:xfrm>
+          <a:prstGeom prst="rect">
+            <a:avLst/>
+          </a:prstGeom>
+          <a:noFill/>
+          <a:ln/>
+        </p:spPr>
+        <p:txBody>
+          <a:bodyPr wrap="square" lIns="88900" tIns="50800" rIns="88900" bIns="50800" rtlCol="0" anchor="t"/>
+          <a:lstStyle/>
+          <a:p>
+            <a:pPr algn="l" indent="0" marL="0">
+              <a:buNone/>
+            </a:pPr>
+            <a:r>
+              <a:rPr lang="en-US" sz="1300" dirty="0">
+                <a:solidFill>
+                  <a:srgbClr val="2C2C2C"/>
+                </a:solidFill>
+                <a:latin typeface="Arial" pitchFamily="34" charset="0"/>
+                <a:ea typeface="Arial" pitchFamily="34" charset="-122"/>
+                <a:cs typeface="Arial" pitchFamily="34" charset="-120"/>
+              </a:rPr>
+              <a:t>Move harvest start date back 2 weeks</a:t>
+            </a:r>
+            <a:endParaRPr lang="en-US" sz="1300" dirty="0"/>
+          </a:p>
+        </p:txBody>
+      </p:sp>
+      <p:sp>
+        <p:nvSpPr>
+          <p:cNvPr id="24" name="Text 22"/>
+          <p:cNvSpPr/>
+          <p:nvPr/>
+        </p:nvSpPr>
+        <p:spPr>
+          <a:xfrm>
+            <a:off x="457200" y="3228082"/>
+            <a:ext cx="8229600" cy="511076"/>
+          </a:xfrm>
+          <a:prstGeom prst="rect">
+            <a:avLst/>
+          </a:prstGeom>
+          <a:solidFill>
+            <a:srgbClr val="FFFFFF"/>
+          </a:solidFill>
+          <a:ln/>
+        </p:spPr>
+        <p:txBody>
+          <a:bodyPr wrap="square" rtlCol="0" anchor="ctr"/>
+          <a:lstStyle/>
+          <a:p>
+            <a:pPr indent="0" marL="0">
+              <a:buNone/>
+            </a:pPr>
+            <a:endParaRPr lang="en-US" dirty="0"/>
+          </a:p>
+        </p:txBody>
+      </p:sp>
+      <p:sp>
+        <p:nvSpPr>
+          <p:cNvPr id="25" name="Shape 23"/>
+          <p:cNvSpPr/>
+          <p:nvPr/>
+        </p:nvSpPr>
+        <p:spPr>
+          <a:xfrm>
+            <a:off x="457200" y="3734395"/>
+            <a:ext cx="8229600" cy="0"/>
+          </a:xfrm>
+          <a:prstGeom prst="line">
+            <a:avLst/>
+          </a:prstGeom>
+          <a:noFill/>
+          <a:ln w="9525">
+            <a:solidFill>
+              <a:srgbClr val="CCCCCC"/>
+            </a:solidFill>
+            <a:prstDash val="solid"/>
+          </a:ln>
+        </p:spPr>
+      </p:sp>
+      <p:sp>
+        <p:nvSpPr>
+          <p:cNvPr id="26" name="Text 24"/>
+          <p:cNvSpPr/>
+          <p:nvPr/>
+        </p:nvSpPr>
+        <p:spPr>
+          <a:xfrm>
+            <a:off x="457200" y="3228082"/>
+            <a:ext cx="2798064" cy="501551"/>
+          </a:xfrm>
+          <a:prstGeom prst="rect">
+            <a:avLst/>
+          </a:prstGeom>
+          <a:noFill/>
+          <a:ln/>
+        </p:spPr>
+        <p:txBody>
+          <a:bodyPr wrap="square" lIns="88900" tIns="50800" rIns="88900" bIns="50800" rtlCol="0" anchor="t"/>
+          <a:lstStyle/>
+          <a:p>
+            <a:pPr algn="l" indent="0" marL="0">
+              <a:buNone/>
+            </a:pPr>
+            <a:r>
+              <a:rPr lang="en-US" sz="1300" dirty="0">
+                <a:solidFill>
+                  <a:srgbClr val="2C2C2C"/>
+                </a:solidFill>
+                <a:latin typeface="Arial" pitchFamily="34" charset="0"/>
+                <a:ea typeface="Arial" pitchFamily="34" charset="-122"/>
+                <a:cs typeface="Arial" pitchFamily="34" charset="-120"/>
+              </a:rPr>
+              <a:t>No bar between seed order &amp; planting</a:t>
+            </a:r>
+            <a:endParaRPr lang="en-US" sz="1300" dirty="0"/>
+          </a:p>
+        </p:txBody>
+      </p:sp>
+      <p:sp>
+        <p:nvSpPr>
+          <p:cNvPr id="27" name="Text 25"/>
+          <p:cNvSpPr/>
+          <p:nvPr/>
+        </p:nvSpPr>
+        <p:spPr>
+          <a:xfrm>
+            <a:off x="3200400" y="3228082"/>
+            <a:ext cx="2798064" cy="501551"/>
+          </a:xfrm>
+          <a:prstGeom prst="rect">
+            <a:avLst/>
+          </a:prstGeom>
+          <a:noFill/>
+          <a:ln/>
+        </p:spPr>
+        <p:txBody>
+          <a:bodyPr wrap="square" lIns="88900" tIns="50800" rIns="88900" bIns="50800" rtlCol="0" anchor="t"/>
+          <a:lstStyle/>
+          <a:p>
+            <a:pPr algn="l" indent="0" marL="0">
+              <a:buNone/>
+            </a:pPr>
+            <a:r>
+              <a:rPr lang="en-US" sz="1300" dirty="0">
+                <a:solidFill>
+                  <a:srgbClr val="2C2C2C"/>
+                </a:solidFill>
+                <a:latin typeface="Arial" pitchFamily="34" charset="0"/>
+                <a:ea typeface="Arial" pitchFamily="34" charset="-122"/>
+                <a:cs typeface="Arial" pitchFamily="34" charset="-120"/>
+              </a:rPr>
+              <a:t>Missing dependency — delivery takes 2 weeks</a:t>
+            </a:r>
+            <a:endParaRPr lang="en-US" sz="1300" dirty="0"/>
+          </a:p>
+        </p:txBody>
+      </p:sp>
+      <p:sp>
+        <p:nvSpPr>
+          <p:cNvPr id="28" name="Text 26"/>
+          <p:cNvSpPr/>
+          <p:nvPr/>
+        </p:nvSpPr>
+        <p:spPr>
+          <a:xfrm>
+            <a:off x="5943600" y="3228082"/>
+            <a:ext cx="2798064" cy="501551"/>
+          </a:xfrm>
+          <a:prstGeom prst="rect">
+            <a:avLst/>
+          </a:prstGeom>
+          <a:noFill/>
+          <a:ln/>
+        </p:spPr>
+        <p:txBody>
+          <a:bodyPr wrap="square" lIns="88900" tIns="50800" rIns="88900" bIns="50800" rtlCol="0" anchor="t"/>
+          <a:lstStyle/>
+          <a:p>
+            <a:pPr algn="l" indent="0" marL="0">
+              <a:buNone/>
+            </a:pPr>
+            <a:r>
+              <a:rPr lang="en-US" sz="1300" dirty="0">
+                <a:solidFill>
+                  <a:srgbClr val="2C2C2C"/>
+                </a:solidFill>
+                <a:latin typeface="Arial" pitchFamily="34" charset="0"/>
+                <a:ea typeface="Arial" pitchFamily="34" charset="-122"/>
+                <a:cs typeface="Arial" pitchFamily="34" charset="-120"/>
+              </a:rPr>
+              <a:t>Add "Receive seed delivery" task</a:t>
+            </a:r>
+            <a:endParaRPr lang="en-US" sz="1300" dirty="0"/>
+          </a:p>
+        </p:txBody>
+      </p:sp>
+      <p:sp>
+        <p:nvSpPr>
+          <p:cNvPr id="29" name="Text 27"/>
+          <p:cNvSpPr/>
+          <p:nvPr/>
+        </p:nvSpPr>
+        <p:spPr>
+          <a:xfrm>
+            <a:off x="457200" y="3739158"/>
+            <a:ext cx="8229600" cy="511076"/>
+          </a:xfrm>
+          <a:prstGeom prst="rect">
+            <a:avLst/>
+          </a:prstGeom>
+          <a:solidFill>
+            <a:srgbClr val="F4F1DE"/>
+          </a:solidFill>
+          <a:ln/>
+        </p:spPr>
+        <p:txBody>
+          <a:bodyPr wrap="square" rtlCol="0" anchor="ctr"/>
+          <a:lstStyle/>
+          <a:p>
+            <a:pPr indent="0" marL="0">
+              <a:buNone/>
+            </a:pPr>
+            <a:endParaRPr lang="en-US" dirty="0"/>
+          </a:p>
+        </p:txBody>
+      </p:sp>
+      <p:sp>
+        <p:nvSpPr>
+          <p:cNvPr id="30" name="Shape 28"/>
+          <p:cNvSpPr/>
+          <p:nvPr/>
+        </p:nvSpPr>
+        <p:spPr>
+          <a:xfrm>
+            <a:off x="457200" y="4245471"/>
+            <a:ext cx="8229600" cy="0"/>
+          </a:xfrm>
+          <a:prstGeom prst="line">
+            <a:avLst/>
+          </a:prstGeom>
+          <a:noFill/>
+          <a:ln w="9525">
+            <a:solidFill>
+              <a:srgbClr val="CCCCCC"/>
+            </a:solidFill>
+            <a:prstDash val="solid"/>
+          </a:ln>
+        </p:spPr>
+      </p:sp>
+      <p:sp>
+        <p:nvSpPr>
+          <p:cNvPr id="31" name="Text 29"/>
+          <p:cNvSpPr/>
+          <p:nvPr/>
+        </p:nvSpPr>
+        <p:spPr>
+          <a:xfrm>
+            <a:off x="457200" y="3739158"/>
+            <a:ext cx="2798064" cy="501551"/>
+          </a:xfrm>
+          <a:prstGeom prst="rect">
+            <a:avLst/>
+          </a:prstGeom>
+          <a:noFill/>
+          <a:ln/>
+        </p:spPr>
+        <p:txBody>
+          <a:bodyPr wrap="square" lIns="88900" tIns="50800" rIns="88900" bIns="50800" rtlCol="0" anchor="t"/>
+          <a:lstStyle/>
+          <a:p>
+            <a:pPr algn="l" indent="0" marL="0">
+              <a:buNone/>
+            </a:pPr>
+            <a:r>
+              <a:rPr lang="en-US" sz="1300" dirty="0">
+                <a:solidFill>
+                  <a:srgbClr val="2C2C2C"/>
+                </a:solidFill>
+                <a:latin typeface="Arial" pitchFamily="34" charset="0"/>
+                <a:ea typeface="Arial" pitchFamily="34" charset="-122"/>
+                <a:cs typeface="Arial" pitchFamily="34" charset="-120"/>
+              </a:rPr>
+              <a:t>3 equipment repairs same week</a:t>
+            </a:r>
+            <a:endParaRPr lang="en-US" sz="1300" dirty="0"/>
+          </a:p>
+        </p:txBody>
+      </p:sp>
+      <p:sp>
+        <p:nvSpPr>
+          <p:cNvPr id="32" name="Text 30"/>
+          <p:cNvSpPr/>
+          <p:nvPr/>
+        </p:nvSpPr>
+        <p:spPr>
+          <a:xfrm>
+            <a:off x="3200400" y="3739158"/>
+            <a:ext cx="2798064" cy="501551"/>
+          </a:xfrm>
+          <a:prstGeom prst="rect">
+            <a:avLst/>
+          </a:prstGeom>
+          <a:noFill/>
+          <a:ln/>
+        </p:spPr>
+        <p:txBody>
+          <a:bodyPr wrap="square" lIns="88900" tIns="50800" rIns="88900" bIns="50800" rtlCol="0" anchor="t"/>
+          <a:lstStyle/>
+          <a:p>
+            <a:pPr algn="l" indent="0" marL="0">
+              <a:buNone/>
+            </a:pPr>
+            <a:r>
+              <a:rPr lang="en-US" sz="1300" dirty="0">
+                <a:solidFill>
+                  <a:srgbClr val="2C2C2C"/>
+                </a:solidFill>
+                <a:latin typeface="Arial" pitchFamily="34" charset="0"/>
+                <a:ea typeface="Arial" pitchFamily="34" charset="-122"/>
+                <a:cs typeface="Arial" pitchFamily="34" charset="-120"/>
+              </a:rPr>
+              <a:t>Mechanic can't do three at once</a:t>
+            </a:r>
+            <a:endParaRPr lang="en-US" sz="1300" dirty="0"/>
+          </a:p>
+        </p:txBody>
+      </p:sp>
+      <p:sp>
+        <p:nvSpPr>
+          <p:cNvPr id="33" name="Text 31"/>
+          <p:cNvSpPr/>
+          <p:nvPr/>
+        </p:nvSpPr>
+        <p:spPr>
+          <a:xfrm>
+            <a:off x="5943600" y="3739158"/>
+            <a:ext cx="2798064" cy="501551"/>
+          </a:xfrm>
+          <a:prstGeom prst="rect">
+            <a:avLst/>
+          </a:prstGeom>
+          <a:noFill/>
+          <a:ln/>
+        </p:spPr>
+        <p:txBody>
+          <a:bodyPr wrap="square" lIns="88900" tIns="50800" rIns="88900" bIns="50800" rtlCol="0" anchor="t"/>
+          <a:lstStyle/>
+          <a:p>
+            <a:pPr algn="l" indent="0" marL="0">
+              <a:buNone/>
+            </a:pPr>
+            <a:r>
+              <a:rPr lang="en-US" sz="1300" dirty="0">
+                <a:solidFill>
+                  <a:srgbClr val="2C2C2C"/>
+                </a:solidFill>
+                <a:latin typeface="Arial" pitchFamily="34" charset="0"/>
+                <a:ea typeface="Arial" pitchFamily="34" charset="-122"/>
+                <a:cs typeface="Arial" pitchFamily="34" charset="-120"/>
+              </a:rPr>
+              <a:t>Spread repairs across 3 different weeks</a:t>
+            </a:r>
+            <a:endParaRPr lang="en-US" sz="1300" dirty="0"/>
           </a:p>
         </p:txBody>
       </p:sp>
@@ -8023,7 +9005,7 @@
     <p:bg>
       <p:bgPr>
         <a:solidFill>
-          <a:srgbClr val="FFFFFF"/>
+          <a:srgbClr val="F4F1DE"/>
         </a:solidFill>
       </p:bgPr>
     </p:bg>
@@ -8050,7 +9032,7 @@
         <p:spPr>
           <a:xfrm>
             <a:off x="0" y="0"/>
-            <a:ext cx="9144000" cy="863501"/>
+            <a:ext cx="9144000" cy="914102"/>
           </a:xfrm>
           <a:prstGeom prst="rect">
             <a:avLst/>
@@ -8079,7 +9061,7 @@
         </p:nvSpPr>
         <p:spPr>
           <a:xfrm>
-            <a:off x="355550" y="246013"/>
+            <a:off x="457200" y="271314"/>
             <a:ext cx="3755800" cy="371475"/>
           </a:xfrm>
           <a:prstGeom prst="rect">
@@ -8107,6 +9089,1557 @@
               <a:t>Key Vocabulary Review</a:t>
             </a:r>
             <a:endParaRPr lang="en-US" sz="2600" dirty="0"/>
+          </a:p>
+        </p:txBody>
+      </p:sp>
+      <p:sp>
+        <p:nvSpPr>
+          <p:cNvPr id="4" name="Text 2"/>
+          <p:cNvSpPr/>
+          <p:nvPr/>
+        </p:nvSpPr>
+        <p:spPr>
+          <a:xfrm>
+            <a:off x="457200" y="990302"/>
+            <a:ext cx="8394192" cy="266700"/>
+          </a:xfrm>
+          <a:prstGeom prst="rect">
+            <a:avLst/>
+          </a:prstGeom>
+          <a:noFill/>
+          <a:ln/>
+        </p:spPr>
+        <p:txBody>
+          <a:bodyPr wrap="square" lIns="0" tIns="0" rIns="0" bIns="0" rtlCol="0" anchor="t"/>
+          <a:lstStyle/>
+          <a:p>
+            <a:pPr algn="l" indent="0" marL="0">
+              <a:spcAft>
+                <a:spcPts val="400"/>
+              </a:spcAft>
+              <a:buNone/>
+            </a:pPr>
+            <a:r>
+              <a:rPr lang="en-US" sz="1800" b="1" dirty="0">
+                <a:solidFill>
+                  <a:srgbClr val="2C2C2C"/>
+                </a:solidFill>
+                <a:latin typeface="Arial" pitchFamily="34" charset="0"/>
+                <a:ea typeface="Arial" pitchFamily="34" charset="-122"/>
+                <a:cs typeface="Arial" pitchFamily="34" charset="-120"/>
+              </a:rPr>
+              <a:t>New terms from today:</a:t>
+            </a:r>
+            <a:endParaRPr lang="en-US" sz="1800" dirty="0"/>
+          </a:p>
+        </p:txBody>
+      </p:sp>
+      <p:sp>
+        <p:nvSpPr>
+          <p:cNvPr id="5" name="Text 3"/>
+          <p:cNvSpPr/>
+          <p:nvPr/>
+        </p:nvSpPr>
+        <p:spPr>
+          <a:xfrm>
+            <a:off x="457200" y="1307753"/>
+            <a:ext cx="8229600" cy="336352"/>
+          </a:xfrm>
+          <a:prstGeom prst="roundRect">
+            <a:avLst>
+              <a:gd name="adj" fmla="val 15103"/>
+            </a:avLst>
+          </a:prstGeom>
+          <a:solidFill>
+            <a:srgbClr val="1E5128"/>
+          </a:solidFill>
+          <a:ln/>
+        </p:spPr>
+        <p:txBody>
+          <a:bodyPr wrap="square" rtlCol="0" anchor="ctr"/>
+          <a:lstStyle/>
+          <a:p>
+            <a:pPr indent="0" marL="0">
+              <a:buNone/>
+            </a:pPr>
+            <a:endParaRPr lang="en-US" dirty="0"/>
+          </a:p>
+        </p:txBody>
+      </p:sp>
+      <p:sp>
+        <p:nvSpPr>
+          <p:cNvPr id="6" name="Text 4"/>
+          <p:cNvSpPr/>
+          <p:nvPr/>
+        </p:nvSpPr>
+        <p:spPr>
+          <a:xfrm>
+            <a:off x="457200" y="1307753"/>
+            <a:ext cx="1865224" cy="336352"/>
+          </a:xfrm>
+          <a:prstGeom prst="rect">
+            <a:avLst/>
+          </a:prstGeom>
+          <a:noFill/>
+          <a:ln/>
+        </p:spPr>
+        <p:txBody>
+          <a:bodyPr wrap="square" lIns="88900" tIns="63500" rIns="88900" bIns="63500" rtlCol="0" anchor="t"/>
+          <a:lstStyle/>
+          <a:p>
+            <a:pPr algn="l" indent="0" marL="0">
+              <a:buNone/>
+            </a:pPr>
+            <a:r>
+              <a:rPr lang="en-US" sz="1400" b="1" dirty="0">
+                <a:solidFill>
+                  <a:srgbClr val="FFFFFF"/>
+                </a:solidFill>
+                <a:latin typeface="Arial" pitchFamily="34" charset="0"/>
+                <a:ea typeface="Arial" pitchFamily="34" charset="-122"/>
+                <a:cs typeface="Arial" pitchFamily="34" charset="-120"/>
+              </a:rPr>
+              <a:t>GitHub Term</a:t>
+            </a:r>
+            <a:endParaRPr lang="en-US" sz="1400" dirty="0"/>
+          </a:p>
+        </p:txBody>
+      </p:sp>
+      <p:sp>
+        <p:nvSpPr>
+          <p:cNvPr id="7" name="Text 5"/>
+          <p:cNvSpPr/>
+          <p:nvPr/>
+        </p:nvSpPr>
+        <p:spPr>
+          <a:xfrm>
+            <a:off x="2285851" y="1307753"/>
+            <a:ext cx="2124355" cy="336352"/>
+          </a:xfrm>
+          <a:prstGeom prst="rect">
+            <a:avLst/>
+          </a:prstGeom>
+          <a:noFill/>
+          <a:ln/>
+        </p:spPr>
+        <p:txBody>
+          <a:bodyPr wrap="square" lIns="88900" tIns="63500" rIns="88900" bIns="63500" rtlCol="0" anchor="t"/>
+          <a:lstStyle/>
+          <a:p>
+            <a:pPr algn="l" indent="0" marL="0">
+              <a:buNone/>
+            </a:pPr>
+            <a:r>
+              <a:rPr lang="en-US" sz="1400" b="1" dirty="0">
+                <a:solidFill>
+                  <a:srgbClr val="FFFFFF"/>
+                </a:solidFill>
+                <a:latin typeface="Arial" pitchFamily="34" charset="0"/>
+                <a:ea typeface="Arial" pitchFamily="34" charset="-122"/>
+                <a:cs typeface="Arial" pitchFamily="34" charset="-120"/>
+              </a:rPr>
+              <a:t>Farm Analogy</a:t>
+            </a:r>
+            <a:endParaRPr lang="en-US" sz="1400" dirty="0"/>
+          </a:p>
+        </p:txBody>
+      </p:sp>
+      <p:sp>
+        <p:nvSpPr>
+          <p:cNvPr id="8" name="Text 6"/>
+          <p:cNvSpPr/>
+          <p:nvPr/>
+        </p:nvSpPr>
+        <p:spPr>
+          <a:xfrm>
+            <a:off x="4368552" y="1307753"/>
+            <a:ext cx="4404613" cy="336352"/>
+          </a:xfrm>
+          <a:prstGeom prst="rect">
+            <a:avLst/>
+          </a:prstGeom>
+          <a:noFill/>
+          <a:ln/>
+        </p:spPr>
+        <p:txBody>
+          <a:bodyPr wrap="square" lIns="88900" tIns="63500" rIns="88900" bIns="63500" rtlCol="0" anchor="t"/>
+          <a:lstStyle/>
+          <a:p>
+            <a:pPr algn="l" indent="0" marL="0">
+              <a:buNone/>
+            </a:pPr>
+            <a:r>
+              <a:rPr lang="en-US" sz="1400" b="1" dirty="0">
+                <a:solidFill>
+                  <a:srgbClr val="FFFFFF"/>
+                </a:solidFill>
+                <a:latin typeface="Arial" pitchFamily="34" charset="0"/>
+                <a:ea typeface="Arial" pitchFamily="34" charset="-122"/>
+                <a:cs typeface="Arial" pitchFamily="34" charset="-120"/>
+              </a:rPr>
+              <a:t>Meaning</a:t>
+            </a:r>
+            <a:endParaRPr lang="en-US" sz="1400" dirty="0"/>
+          </a:p>
+        </p:txBody>
+      </p:sp>
+      <p:sp>
+        <p:nvSpPr>
+          <p:cNvPr id="9" name="Text 7"/>
+          <p:cNvSpPr/>
+          <p:nvPr/>
+        </p:nvSpPr>
+        <p:spPr>
+          <a:xfrm>
+            <a:off x="457200" y="1644104"/>
+            <a:ext cx="8229600" cy="311051"/>
+          </a:xfrm>
+          <a:prstGeom prst="rect">
+            <a:avLst/>
+          </a:prstGeom>
+          <a:solidFill>
+            <a:srgbClr val="F4F1DE"/>
+          </a:solidFill>
+          <a:ln/>
+        </p:spPr>
+        <p:txBody>
+          <a:bodyPr wrap="square" rtlCol="0" anchor="ctr"/>
+          <a:lstStyle/>
+          <a:p>
+            <a:pPr indent="0" marL="0">
+              <a:buNone/>
+            </a:pPr>
+            <a:endParaRPr lang="en-US" dirty="0"/>
+          </a:p>
+        </p:txBody>
+      </p:sp>
+      <p:sp>
+        <p:nvSpPr>
+          <p:cNvPr id="10" name="Shape 8"/>
+          <p:cNvSpPr/>
+          <p:nvPr/>
+        </p:nvSpPr>
+        <p:spPr>
+          <a:xfrm>
+            <a:off x="457200" y="1950393"/>
+            <a:ext cx="8229600" cy="0"/>
+          </a:xfrm>
+          <a:prstGeom prst="line">
+            <a:avLst/>
+          </a:prstGeom>
+          <a:noFill/>
+          <a:ln w="9525">
+            <a:solidFill>
+              <a:srgbClr val="CCCCCC"/>
+            </a:solidFill>
+            <a:prstDash val="solid"/>
+          </a:ln>
+        </p:spPr>
+      </p:sp>
+      <p:sp>
+        <p:nvSpPr>
+          <p:cNvPr id="11" name="Text 9"/>
+          <p:cNvSpPr/>
+          <p:nvPr/>
+        </p:nvSpPr>
+        <p:spPr>
+          <a:xfrm>
+            <a:off x="457200" y="1644104"/>
+            <a:ext cx="1865224" cy="301526"/>
+          </a:xfrm>
+          <a:prstGeom prst="rect">
+            <a:avLst/>
+          </a:prstGeom>
+          <a:noFill/>
+          <a:ln/>
+        </p:spPr>
+        <p:txBody>
+          <a:bodyPr wrap="square" lIns="88900" tIns="50800" rIns="88900" bIns="50800" rtlCol="0" anchor="t"/>
+          <a:lstStyle/>
+          <a:p>
+            <a:pPr algn="l" indent="0" marL="0">
+              <a:buNone/>
+            </a:pPr>
+            <a:r>
+              <a:rPr lang="en-US" sz="1300" dirty="0">
+                <a:solidFill>
+                  <a:srgbClr val="2C2C2C"/>
+                </a:solidFill>
+                <a:latin typeface="Arial" pitchFamily="34" charset="0"/>
+                <a:ea typeface="Arial" pitchFamily="34" charset="-122"/>
+                <a:cs typeface="Arial" pitchFamily="34" charset="-120"/>
+              </a:rPr>
+              <a:t>Custom field</a:t>
+            </a:r>
+            <a:endParaRPr lang="en-US" sz="1300" dirty="0"/>
+          </a:p>
+        </p:txBody>
+      </p:sp>
+      <p:sp>
+        <p:nvSpPr>
+          <p:cNvPr id="12" name="Text 10"/>
+          <p:cNvSpPr/>
+          <p:nvPr/>
+        </p:nvSpPr>
+        <p:spPr>
+          <a:xfrm>
+            <a:off x="2285851" y="1644104"/>
+            <a:ext cx="2124355" cy="301526"/>
+          </a:xfrm>
+          <a:prstGeom prst="rect">
+            <a:avLst/>
+          </a:prstGeom>
+          <a:noFill/>
+          <a:ln/>
+        </p:spPr>
+        <p:txBody>
+          <a:bodyPr wrap="square" lIns="88900" tIns="50800" rIns="88900" bIns="50800" rtlCol="0" anchor="t"/>
+          <a:lstStyle/>
+          <a:p>
+            <a:pPr algn="l" indent="0" marL="0">
+              <a:buNone/>
+            </a:pPr>
+            <a:r>
+              <a:rPr lang="en-US" sz="1300" dirty="0">
+                <a:solidFill>
+                  <a:srgbClr val="2C2C2C"/>
+                </a:solidFill>
+                <a:latin typeface="Arial" pitchFamily="34" charset="0"/>
+                <a:ea typeface="Arial" pitchFamily="34" charset="-122"/>
+                <a:cs typeface="Arial" pitchFamily="34" charset="-120"/>
+              </a:rPr>
+              <a:t>Ledger column</a:t>
+            </a:r>
+            <a:endParaRPr lang="en-US" sz="1300" dirty="0"/>
+          </a:p>
+        </p:txBody>
+      </p:sp>
+      <p:sp>
+        <p:nvSpPr>
+          <p:cNvPr id="13" name="Text 11"/>
+          <p:cNvSpPr/>
+          <p:nvPr/>
+        </p:nvSpPr>
+        <p:spPr>
+          <a:xfrm>
+            <a:off x="4368552" y="1644104"/>
+            <a:ext cx="4404613" cy="301526"/>
+          </a:xfrm>
+          <a:prstGeom prst="rect">
+            <a:avLst/>
+          </a:prstGeom>
+          <a:noFill/>
+          <a:ln/>
+        </p:spPr>
+        <p:txBody>
+          <a:bodyPr wrap="square" lIns="88900" tIns="50800" rIns="88900" bIns="50800" rtlCol="0" anchor="t"/>
+          <a:lstStyle/>
+          <a:p>
+            <a:pPr algn="l" indent="0" marL="0">
+              <a:buNone/>
+            </a:pPr>
+            <a:r>
+              <a:rPr lang="en-US" sz="1300" dirty="0">
+                <a:solidFill>
+                  <a:srgbClr val="2C2C2C"/>
+                </a:solidFill>
+                <a:latin typeface="Arial" pitchFamily="34" charset="0"/>
+                <a:ea typeface="Arial" pitchFamily="34" charset="-122"/>
+                <a:cs typeface="Arial" pitchFamily="34" charset="-120"/>
+              </a:rPr>
+              <a:t>Extra column you add to a Project</a:t>
+            </a:r>
+            <a:endParaRPr lang="en-US" sz="1300" dirty="0"/>
+          </a:p>
+        </p:txBody>
+      </p:sp>
+      <p:sp>
+        <p:nvSpPr>
+          <p:cNvPr id="14" name="Text 12"/>
+          <p:cNvSpPr/>
+          <p:nvPr/>
+        </p:nvSpPr>
+        <p:spPr>
+          <a:xfrm>
+            <a:off x="457200" y="1955155"/>
+            <a:ext cx="8229600" cy="311051"/>
+          </a:xfrm>
+          <a:prstGeom prst="rect">
+            <a:avLst/>
+          </a:prstGeom>
+          <a:solidFill>
+            <a:srgbClr val="FFFFFF"/>
+          </a:solidFill>
+          <a:ln/>
+        </p:spPr>
+        <p:txBody>
+          <a:bodyPr wrap="square" rtlCol="0" anchor="ctr"/>
+          <a:lstStyle/>
+          <a:p>
+            <a:pPr indent="0" marL="0">
+              <a:buNone/>
+            </a:pPr>
+            <a:endParaRPr lang="en-US" dirty="0"/>
+          </a:p>
+        </p:txBody>
+      </p:sp>
+      <p:sp>
+        <p:nvSpPr>
+          <p:cNvPr id="15" name="Shape 13"/>
+          <p:cNvSpPr/>
+          <p:nvPr/>
+        </p:nvSpPr>
+        <p:spPr>
+          <a:xfrm>
+            <a:off x="457200" y="2261443"/>
+            <a:ext cx="8229600" cy="0"/>
+          </a:xfrm>
+          <a:prstGeom prst="line">
+            <a:avLst/>
+          </a:prstGeom>
+          <a:noFill/>
+          <a:ln w="9525">
+            <a:solidFill>
+              <a:srgbClr val="CCCCCC"/>
+            </a:solidFill>
+            <a:prstDash val="solid"/>
+          </a:ln>
+        </p:spPr>
+      </p:sp>
+      <p:sp>
+        <p:nvSpPr>
+          <p:cNvPr id="16" name="Text 14"/>
+          <p:cNvSpPr/>
+          <p:nvPr/>
+        </p:nvSpPr>
+        <p:spPr>
+          <a:xfrm>
+            <a:off x="457200" y="1955155"/>
+            <a:ext cx="1865224" cy="301526"/>
+          </a:xfrm>
+          <a:prstGeom prst="rect">
+            <a:avLst/>
+          </a:prstGeom>
+          <a:noFill/>
+          <a:ln/>
+        </p:spPr>
+        <p:txBody>
+          <a:bodyPr wrap="square" lIns="88900" tIns="50800" rIns="88900" bIns="50800" rtlCol="0" anchor="t"/>
+          <a:lstStyle/>
+          <a:p>
+            <a:pPr algn="l" indent="0" marL="0">
+              <a:buNone/>
+            </a:pPr>
+            <a:r>
+              <a:rPr lang="en-US" sz="1300" dirty="0">
+                <a:solidFill>
+                  <a:srgbClr val="2C2C2C"/>
+                </a:solidFill>
+                <a:latin typeface="Arial" pitchFamily="34" charset="0"/>
+                <a:ea typeface="Arial" pitchFamily="34" charset="-122"/>
+                <a:cs typeface="Arial" pitchFamily="34" charset="-120"/>
+              </a:rPr>
+              <a:t>Single select</a:t>
+            </a:r>
+            <a:endParaRPr lang="en-US" sz="1300" dirty="0"/>
+          </a:p>
+        </p:txBody>
+      </p:sp>
+      <p:sp>
+        <p:nvSpPr>
+          <p:cNvPr id="17" name="Text 15"/>
+          <p:cNvSpPr/>
+          <p:nvPr/>
+        </p:nvSpPr>
+        <p:spPr>
+          <a:xfrm>
+            <a:off x="2285851" y="1955155"/>
+            <a:ext cx="2124355" cy="301526"/>
+          </a:xfrm>
+          <a:prstGeom prst="rect">
+            <a:avLst/>
+          </a:prstGeom>
+          <a:noFill/>
+          <a:ln/>
+        </p:spPr>
+        <p:txBody>
+          <a:bodyPr wrap="square" lIns="88900" tIns="50800" rIns="88900" bIns="50800" rtlCol="0" anchor="t"/>
+          <a:lstStyle/>
+          <a:p>
+            <a:pPr algn="l" indent="0" marL="0">
+              <a:buNone/>
+            </a:pPr>
+            <a:r>
+              <a:rPr lang="en-US" sz="1300" dirty="0">
+                <a:solidFill>
+                  <a:srgbClr val="2C2C2C"/>
+                </a:solidFill>
+                <a:latin typeface="Arial" pitchFamily="34" charset="0"/>
+                <a:ea typeface="Arial" pitchFamily="34" charset="-122"/>
+                <a:cs typeface="Arial" pitchFamily="34" charset="-120"/>
+              </a:rPr>
+              <a:t>Dropdown menu</a:t>
+            </a:r>
+            <a:endParaRPr lang="en-US" sz="1300" dirty="0"/>
+          </a:p>
+        </p:txBody>
+      </p:sp>
+      <p:sp>
+        <p:nvSpPr>
+          <p:cNvPr id="18" name="Text 16"/>
+          <p:cNvSpPr/>
+          <p:nvPr/>
+        </p:nvSpPr>
+        <p:spPr>
+          <a:xfrm>
+            <a:off x="4368552" y="1955155"/>
+            <a:ext cx="4404613" cy="301526"/>
+          </a:xfrm>
+          <a:prstGeom prst="rect">
+            <a:avLst/>
+          </a:prstGeom>
+          <a:noFill/>
+          <a:ln/>
+        </p:spPr>
+        <p:txBody>
+          <a:bodyPr wrap="square" lIns="88900" tIns="50800" rIns="88900" bIns="50800" rtlCol="0" anchor="t"/>
+          <a:lstStyle/>
+          <a:p>
+            <a:pPr algn="l" indent="0" marL="0">
+              <a:buNone/>
+            </a:pPr>
+            <a:r>
+              <a:rPr lang="en-US" sz="1300" dirty="0">
+                <a:solidFill>
+                  <a:srgbClr val="2C2C2C"/>
+                </a:solidFill>
+                <a:latin typeface="Arial" pitchFamily="34" charset="0"/>
+                <a:ea typeface="Arial" pitchFamily="34" charset="-122"/>
+                <a:cs typeface="Arial" pitchFamily="34" charset="-120"/>
+              </a:rPr>
+              <a:t>A field with predefined options</a:t>
+            </a:r>
+            <a:endParaRPr lang="en-US" sz="1300" dirty="0"/>
+          </a:p>
+        </p:txBody>
+      </p:sp>
+      <p:sp>
+        <p:nvSpPr>
+          <p:cNvPr id="19" name="Text 17"/>
+          <p:cNvSpPr/>
+          <p:nvPr/>
+        </p:nvSpPr>
+        <p:spPr>
+          <a:xfrm>
+            <a:off x="457200" y="2266206"/>
+            <a:ext cx="8229600" cy="311051"/>
+          </a:xfrm>
+          <a:prstGeom prst="rect">
+            <a:avLst/>
+          </a:prstGeom>
+          <a:solidFill>
+            <a:srgbClr val="F4F1DE"/>
+          </a:solidFill>
+          <a:ln/>
+        </p:spPr>
+        <p:txBody>
+          <a:bodyPr wrap="square" rtlCol="0" anchor="ctr"/>
+          <a:lstStyle/>
+          <a:p>
+            <a:pPr indent="0" marL="0">
+              <a:buNone/>
+            </a:pPr>
+            <a:endParaRPr lang="en-US" dirty="0"/>
+          </a:p>
+        </p:txBody>
+      </p:sp>
+      <p:sp>
+        <p:nvSpPr>
+          <p:cNvPr id="20" name="Shape 18"/>
+          <p:cNvSpPr/>
+          <p:nvPr/>
+        </p:nvSpPr>
+        <p:spPr>
+          <a:xfrm>
+            <a:off x="457200" y="2572494"/>
+            <a:ext cx="8229600" cy="0"/>
+          </a:xfrm>
+          <a:prstGeom prst="line">
+            <a:avLst/>
+          </a:prstGeom>
+          <a:noFill/>
+          <a:ln w="9525">
+            <a:solidFill>
+              <a:srgbClr val="CCCCCC"/>
+            </a:solidFill>
+            <a:prstDash val="solid"/>
+          </a:ln>
+        </p:spPr>
+      </p:sp>
+      <p:sp>
+        <p:nvSpPr>
+          <p:cNvPr id="21" name="Text 19"/>
+          <p:cNvSpPr/>
+          <p:nvPr/>
+        </p:nvSpPr>
+        <p:spPr>
+          <a:xfrm>
+            <a:off x="457200" y="2266206"/>
+            <a:ext cx="1865224" cy="301526"/>
+          </a:xfrm>
+          <a:prstGeom prst="rect">
+            <a:avLst/>
+          </a:prstGeom>
+          <a:noFill/>
+          <a:ln/>
+        </p:spPr>
+        <p:txBody>
+          <a:bodyPr wrap="square" lIns="88900" tIns="50800" rIns="88900" bIns="50800" rtlCol="0" anchor="t"/>
+          <a:lstStyle/>
+          <a:p>
+            <a:pPr algn="l" indent="0" marL="0">
+              <a:buNone/>
+            </a:pPr>
+            <a:r>
+              <a:rPr lang="en-US" sz="1300" dirty="0">
+                <a:solidFill>
+                  <a:srgbClr val="2C2C2C"/>
+                </a:solidFill>
+                <a:latin typeface="Arial" pitchFamily="34" charset="0"/>
+                <a:ea typeface="Arial" pitchFamily="34" charset="-122"/>
+                <a:cs typeface="Arial" pitchFamily="34" charset="-120"/>
+              </a:rPr>
+              <a:t>Iteration</a:t>
+            </a:r>
+            <a:endParaRPr lang="en-US" sz="1300" dirty="0"/>
+          </a:p>
+        </p:txBody>
+      </p:sp>
+      <p:sp>
+        <p:nvSpPr>
+          <p:cNvPr id="22" name="Text 20"/>
+          <p:cNvSpPr/>
+          <p:nvPr/>
+        </p:nvSpPr>
+        <p:spPr>
+          <a:xfrm>
+            <a:off x="2285851" y="2266206"/>
+            <a:ext cx="2124355" cy="301526"/>
+          </a:xfrm>
+          <a:prstGeom prst="rect">
+            <a:avLst/>
+          </a:prstGeom>
+          <a:noFill/>
+          <a:ln/>
+        </p:spPr>
+        <p:txBody>
+          <a:bodyPr wrap="square" lIns="88900" tIns="50800" rIns="88900" bIns="50800" rtlCol="0" anchor="t"/>
+          <a:lstStyle/>
+          <a:p>
+            <a:pPr algn="l" indent="0" marL="0">
+              <a:buNone/>
+            </a:pPr>
+            <a:r>
+              <a:rPr lang="en-US" sz="1300" dirty="0">
+                <a:solidFill>
+                  <a:srgbClr val="2C2C2C"/>
+                </a:solidFill>
+                <a:latin typeface="Arial" pitchFamily="34" charset="0"/>
+                <a:ea typeface="Arial" pitchFamily="34" charset="-122"/>
+                <a:cs typeface="Arial" pitchFamily="34" charset="-120"/>
+              </a:rPr>
+              <a:t>Season chapter</a:t>
+            </a:r>
+            <a:endParaRPr lang="en-US" sz="1300" dirty="0"/>
+          </a:p>
+        </p:txBody>
+      </p:sp>
+      <p:sp>
+        <p:nvSpPr>
+          <p:cNvPr id="23" name="Text 21"/>
+          <p:cNvSpPr/>
+          <p:nvPr/>
+        </p:nvSpPr>
+        <p:spPr>
+          <a:xfrm>
+            <a:off x="4368552" y="2266206"/>
+            <a:ext cx="4404613" cy="301526"/>
+          </a:xfrm>
+          <a:prstGeom prst="rect">
+            <a:avLst/>
+          </a:prstGeom>
+          <a:noFill/>
+          <a:ln/>
+        </p:spPr>
+        <p:txBody>
+          <a:bodyPr wrap="square" lIns="88900" tIns="50800" rIns="88900" bIns="50800" rtlCol="0" anchor="t"/>
+          <a:lstStyle/>
+          <a:p>
+            <a:pPr algn="l" indent="0" marL="0">
+              <a:buNone/>
+            </a:pPr>
+            <a:r>
+              <a:rPr lang="en-US" sz="1300" dirty="0">
+                <a:solidFill>
+                  <a:srgbClr val="2C2C2C"/>
+                </a:solidFill>
+                <a:latin typeface="Arial" pitchFamily="34" charset="0"/>
+                <a:ea typeface="Arial" pitchFamily="34" charset="-122"/>
+                <a:cs typeface="Arial" pitchFamily="34" charset="-120"/>
+              </a:rPr>
+              <a:t>Named time block with start/end dates</a:t>
+            </a:r>
+            <a:endParaRPr lang="en-US" sz="1300" dirty="0"/>
+          </a:p>
+        </p:txBody>
+      </p:sp>
+      <p:sp>
+        <p:nvSpPr>
+          <p:cNvPr id="24" name="Text 22"/>
+          <p:cNvSpPr/>
+          <p:nvPr/>
+        </p:nvSpPr>
+        <p:spPr>
+          <a:xfrm>
+            <a:off x="457200" y="2577257"/>
+            <a:ext cx="8229600" cy="311051"/>
+          </a:xfrm>
+          <a:prstGeom prst="rect">
+            <a:avLst/>
+          </a:prstGeom>
+          <a:solidFill>
+            <a:srgbClr val="FFFFFF"/>
+          </a:solidFill>
+          <a:ln/>
+        </p:spPr>
+        <p:txBody>
+          <a:bodyPr wrap="square" rtlCol="0" anchor="ctr"/>
+          <a:lstStyle/>
+          <a:p>
+            <a:pPr indent="0" marL="0">
+              <a:buNone/>
+            </a:pPr>
+            <a:endParaRPr lang="en-US" dirty="0"/>
+          </a:p>
+        </p:txBody>
+      </p:sp>
+      <p:sp>
+        <p:nvSpPr>
+          <p:cNvPr id="25" name="Shape 23"/>
+          <p:cNvSpPr/>
+          <p:nvPr/>
+        </p:nvSpPr>
+        <p:spPr>
+          <a:xfrm>
+            <a:off x="457200" y="2883545"/>
+            <a:ext cx="8229600" cy="0"/>
+          </a:xfrm>
+          <a:prstGeom prst="line">
+            <a:avLst/>
+          </a:prstGeom>
+          <a:noFill/>
+          <a:ln w="9525">
+            <a:solidFill>
+              <a:srgbClr val="CCCCCC"/>
+            </a:solidFill>
+            <a:prstDash val="solid"/>
+          </a:ln>
+        </p:spPr>
+      </p:sp>
+      <p:sp>
+        <p:nvSpPr>
+          <p:cNvPr id="26" name="Text 24"/>
+          <p:cNvSpPr/>
+          <p:nvPr/>
+        </p:nvSpPr>
+        <p:spPr>
+          <a:xfrm>
+            <a:off x="457200" y="2577257"/>
+            <a:ext cx="1865224" cy="301526"/>
+          </a:xfrm>
+          <a:prstGeom prst="rect">
+            <a:avLst/>
+          </a:prstGeom>
+          <a:noFill/>
+          <a:ln/>
+        </p:spPr>
+        <p:txBody>
+          <a:bodyPr wrap="square" lIns="88900" tIns="50800" rIns="88900" bIns="50800" rtlCol="0" anchor="t"/>
+          <a:lstStyle/>
+          <a:p>
+            <a:pPr algn="l" indent="0" marL="0">
+              <a:buNone/>
+            </a:pPr>
+            <a:r>
+              <a:rPr lang="en-US" sz="1300" dirty="0">
+                <a:solidFill>
+                  <a:srgbClr val="2C2C2C"/>
+                </a:solidFill>
+                <a:latin typeface="Arial" pitchFamily="34" charset="0"/>
+                <a:ea typeface="Arial" pitchFamily="34" charset="-122"/>
+                <a:cs typeface="Arial" pitchFamily="34" charset="-120"/>
+              </a:rPr>
+              <a:t>Timeline view</a:t>
+            </a:r>
+            <a:endParaRPr lang="en-US" sz="1300" dirty="0"/>
+          </a:p>
+        </p:txBody>
+      </p:sp>
+      <p:sp>
+        <p:nvSpPr>
+          <p:cNvPr id="27" name="Text 25"/>
+          <p:cNvSpPr/>
+          <p:nvPr/>
+        </p:nvSpPr>
+        <p:spPr>
+          <a:xfrm>
+            <a:off x="2285851" y="2577257"/>
+            <a:ext cx="2124355" cy="301526"/>
+          </a:xfrm>
+          <a:prstGeom prst="rect">
+            <a:avLst/>
+          </a:prstGeom>
+          <a:noFill/>
+          <a:ln/>
+        </p:spPr>
+        <p:txBody>
+          <a:bodyPr wrap="square" lIns="88900" tIns="50800" rIns="88900" bIns="50800" rtlCol="0" anchor="t"/>
+          <a:lstStyle/>
+          <a:p>
+            <a:pPr algn="l" indent="0" marL="0">
+              <a:buNone/>
+            </a:pPr>
+            <a:r>
+              <a:rPr lang="en-US" sz="1300" dirty="0">
+                <a:solidFill>
+                  <a:srgbClr val="2C2C2C"/>
+                </a:solidFill>
+                <a:latin typeface="Arial" pitchFamily="34" charset="0"/>
+                <a:ea typeface="Arial" pitchFamily="34" charset="-122"/>
+                <a:cs typeface="Arial" pitchFamily="34" charset="-120"/>
+              </a:rPr>
+              <a:t>Wall calendar</a:t>
+            </a:r>
+            <a:endParaRPr lang="en-US" sz="1300" dirty="0"/>
+          </a:p>
+        </p:txBody>
+      </p:sp>
+      <p:sp>
+        <p:nvSpPr>
+          <p:cNvPr id="28" name="Text 26"/>
+          <p:cNvSpPr/>
+          <p:nvPr/>
+        </p:nvSpPr>
+        <p:spPr>
+          <a:xfrm>
+            <a:off x="4368552" y="2577257"/>
+            <a:ext cx="4404613" cy="301526"/>
+          </a:xfrm>
+          <a:prstGeom prst="rect">
+            <a:avLst/>
+          </a:prstGeom>
+          <a:noFill/>
+          <a:ln/>
+        </p:spPr>
+        <p:txBody>
+          <a:bodyPr wrap="square" lIns="88900" tIns="50800" rIns="88900" bIns="50800" rtlCol="0" anchor="t"/>
+          <a:lstStyle/>
+          <a:p>
+            <a:pPr algn="l" indent="0" marL="0">
+              <a:buNone/>
+            </a:pPr>
+            <a:r>
+              <a:rPr lang="en-US" sz="1300" dirty="0">
+                <a:solidFill>
+                  <a:srgbClr val="2C2C2C"/>
+                </a:solidFill>
+                <a:latin typeface="Arial" pitchFamily="34" charset="0"/>
+                <a:ea typeface="Arial" pitchFamily="34" charset="-122"/>
+                <a:cs typeface="Arial" pitchFamily="34" charset="-120"/>
+              </a:rPr>
+              <a:t>Visual calendar showing Issues as bars</a:t>
+            </a:r>
+            <a:endParaRPr lang="en-US" sz="1300" dirty="0"/>
+          </a:p>
+        </p:txBody>
+      </p:sp>
+      <p:sp>
+        <p:nvSpPr>
+          <p:cNvPr id="29" name="Text 27"/>
+          <p:cNvSpPr/>
+          <p:nvPr/>
+        </p:nvSpPr>
+        <p:spPr>
+          <a:xfrm>
+            <a:off x="457200" y="2888307"/>
+            <a:ext cx="8229600" cy="311051"/>
+          </a:xfrm>
+          <a:prstGeom prst="rect">
+            <a:avLst/>
+          </a:prstGeom>
+          <a:solidFill>
+            <a:srgbClr val="F4F1DE"/>
+          </a:solidFill>
+          <a:ln/>
+        </p:spPr>
+        <p:txBody>
+          <a:bodyPr wrap="square" rtlCol="0" anchor="ctr"/>
+          <a:lstStyle/>
+          <a:p>
+            <a:pPr indent="0" marL="0">
+              <a:buNone/>
+            </a:pPr>
+            <a:endParaRPr lang="en-US" dirty="0"/>
+          </a:p>
+        </p:txBody>
+      </p:sp>
+      <p:sp>
+        <p:nvSpPr>
+          <p:cNvPr id="30" name="Shape 28"/>
+          <p:cNvSpPr/>
+          <p:nvPr/>
+        </p:nvSpPr>
+        <p:spPr>
+          <a:xfrm>
+            <a:off x="457200" y="3194596"/>
+            <a:ext cx="8229600" cy="0"/>
+          </a:xfrm>
+          <a:prstGeom prst="line">
+            <a:avLst/>
+          </a:prstGeom>
+          <a:noFill/>
+          <a:ln w="9525">
+            <a:solidFill>
+              <a:srgbClr val="CCCCCC"/>
+            </a:solidFill>
+            <a:prstDash val="solid"/>
+          </a:ln>
+        </p:spPr>
+      </p:sp>
+      <p:sp>
+        <p:nvSpPr>
+          <p:cNvPr id="31" name="Text 29"/>
+          <p:cNvSpPr/>
+          <p:nvPr/>
+        </p:nvSpPr>
+        <p:spPr>
+          <a:xfrm>
+            <a:off x="457200" y="2888307"/>
+            <a:ext cx="1865224" cy="301526"/>
+          </a:xfrm>
+          <a:prstGeom prst="rect">
+            <a:avLst/>
+          </a:prstGeom>
+          <a:noFill/>
+          <a:ln/>
+        </p:spPr>
+        <p:txBody>
+          <a:bodyPr wrap="square" lIns="88900" tIns="50800" rIns="88900" bIns="50800" rtlCol="0" anchor="t"/>
+          <a:lstStyle/>
+          <a:p>
+            <a:pPr algn="l" indent="0" marL="0">
+              <a:buNone/>
+            </a:pPr>
+            <a:r>
+              <a:rPr lang="en-US" sz="1300" dirty="0">
+                <a:solidFill>
+                  <a:srgbClr val="2C2C2C"/>
+                </a:solidFill>
+                <a:latin typeface="Arial" pitchFamily="34" charset="0"/>
+                <a:ea typeface="Arial" pitchFamily="34" charset="-122"/>
+                <a:cs typeface="Arial" pitchFamily="34" charset="-120"/>
+              </a:rPr>
+              <a:t>Cross-repo linking</a:t>
+            </a:r>
+            <a:endParaRPr lang="en-US" sz="1300" dirty="0"/>
+          </a:p>
+        </p:txBody>
+      </p:sp>
+      <p:sp>
+        <p:nvSpPr>
+          <p:cNvPr id="32" name="Text 30"/>
+          <p:cNvSpPr/>
+          <p:nvPr/>
+        </p:nvSpPr>
+        <p:spPr>
+          <a:xfrm>
+            <a:off x="2285851" y="2888307"/>
+            <a:ext cx="2124355" cy="301526"/>
+          </a:xfrm>
+          <a:prstGeom prst="rect">
+            <a:avLst/>
+          </a:prstGeom>
+          <a:noFill/>
+          <a:ln/>
+        </p:spPr>
+        <p:txBody>
+          <a:bodyPr wrap="square" lIns="88900" tIns="50800" rIns="88900" bIns="50800" rtlCol="0" anchor="t"/>
+          <a:lstStyle/>
+          <a:p>
+            <a:pPr algn="l" indent="0" marL="0">
+              <a:buNone/>
+            </a:pPr>
+            <a:r>
+              <a:rPr lang="en-US" sz="1300" dirty="0">
+                <a:solidFill>
+                  <a:srgbClr val="2C2C2C"/>
+                </a:solidFill>
+                <a:latin typeface="Arial" pitchFamily="34" charset="0"/>
+                <a:ea typeface="Arial" pitchFamily="34" charset="-122"/>
+                <a:cs typeface="Arial" pitchFamily="34" charset="-120"/>
+              </a:rPr>
+              <a:t>One master board</a:t>
+            </a:r>
+            <a:endParaRPr lang="en-US" sz="1300" dirty="0"/>
+          </a:p>
+        </p:txBody>
+      </p:sp>
+      <p:sp>
+        <p:nvSpPr>
+          <p:cNvPr id="33" name="Text 31"/>
+          <p:cNvSpPr/>
+          <p:nvPr/>
+        </p:nvSpPr>
+        <p:spPr>
+          <a:xfrm>
+            <a:off x="4368552" y="2888307"/>
+            <a:ext cx="4404613" cy="301526"/>
+          </a:xfrm>
+          <a:prstGeom prst="rect">
+            <a:avLst/>
+          </a:prstGeom>
+          <a:noFill/>
+          <a:ln/>
+        </p:spPr>
+        <p:txBody>
+          <a:bodyPr wrap="square" lIns="88900" tIns="50800" rIns="88900" bIns="50800" rtlCol="0" anchor="t"/>
+          <a:lstStyle/>
+          <a:p>
+            <a:pPr algn="l" indent="0" marL="0">
+              <a:buNone/>
+            </a:pPr>
+            <a:r>
+              <a:rPr lang="en-US" sz="1300" dirty="0">
+                <a:solidFill>
+                  <a:srgbClr val="2C2C2C"/>
+                </a:solidFill>
+                <a:latin typeface="Arial" pitchFamily="34" charset="0"/>
+                <a:ea typeface="Arial" pitchFamily="34" charset="-122"/>
+                <a:cs typeface="Arial" pitchFamily="34" charset="-120"/>
+              </a:rPr>
+              <a:t>Adding Issues from different repos into one Project</a:t>
+            </a:r>
+            <a:endParaRPr lang="en-US" sz="1300" dirty="0"/>
+          </a:p>
+        </p:txBody>
+      </p:sp>
+      <p:sp>
+        <p:nvSpPr>
+          <p:cNvPr id="34" name="Text 32"/>
+          <p:cNvSpPr/>
+          <p:nvPr/>
+        </p:nvSpPr>
+        <p:spPr>
+          <a:xfrm>
+            <a:off x="457200" y="3199358"/>
+            <a:ext cx="8229600" cy="311051"/>
+          </a:xfrm>
+          <a:prstGeom prst="rect">
+            <a:avLst/>
+          </a:prstGeom>
+          <a:solidFill>
+            <a:srgbClr val="FFFFFF"/>
+          </a:solidFill>
+          <a:ln/>
+        </p:spPr>
+        <p:txBody>
+          <a:bodyPr wrap="square" rtlCol="0" anchor="ctr"/>
+          <a:lstStyle/>
+          <a:p>
+            <a:pPr indent="0" marL="0">
+              <a:buNone/>
+            </a:pPr>
+            <a:endParaRPr lang="en-US" dirty="0"/>
+          </a:p>
+        </p:txBody>
+      </p:sp>
+      <p:sp>
+        <p:nvSpPr>
+          <p:cNvPr id="35" name="Shape 33"/>
+          <p:cNvSpPr/>
+          <p:nvPr/>
+        </p:nvSpPr>
+        <p:spPr>
+          <a:xfrm>
+            <a:off x="457200" y="3505646"/>
+            <a:ext cx="8229600" cy="0"/>
+          </a:xfrm>
+          <a:prstGeom prst="line">
+            <a:avLst/>
+          </a:prstGeom>
+          <a:noFill/>
+          <a:ln w="9525">
+            <a:solidFill>
+              <a:srgbClr val="CCCCCC"/>
+            </a:solidFill>
+            <a:prstDash val="solid"/>
+          </a:ln>
+        </p:spPr>
+      </p:sp>
+      <p:sp>
+        <p:nvSpPr>
+          <p:cNvPr id="36" name="Text 34"/>
+          <p:cNvSpPr/>
+          <p:nvPr/>
+        </p:nvSpPr>
+        <p:spPr>
+          <a:xfrm>
+            <a:off x="457200" y="3199358"/>
+            <a:ext cx="1865224" cy="301526"/>
+          </a:xfrm>
+          <a:prstGeom prst="rect">
+            <a:avLst/>
+          </a:prstGeom>
+          <a:noFill/>
+          <a:ln/>
+        </p:spPr>
+        <p:txBody>
+          <a:bodyPr wrap="square" lIns="88900" tIns="50800" rIns="88900" bIns="50800" rtlCol="0" anchor="t"/>
+          <a:lstStyle/>
+          <a:p>
+            <a:pPr algn="l" indent="0" marL="0">
+              <a:buNone/>
+            </a:pPr>
+            <a:r>
+              <a:rPr lang="en-US" sz="1300" dirty="0">
+                <a:solidFill>
+                  <a:srgbClr val="2C2C2C"/>
+                </a:solidFill>
+                <a:latin typeface="Arial" pitchFamily="34" charset="0"/>
+                <a:ea typeface="Arial" pitchFamily="34" charset="-122"/>
+                <a:cs typeface="Arial" pitchFamily="34" charset="-120"/>
+              </a:rPr>
+              <a:t>Scheduling conflict</a:t>
+            </a:r>
+            <a:endParaRPr lang="en-US" sz="1300" dirty="0"/>
+          </a:p>
+        </p:txBody>
+      </p:sp>
+      <p:sp>
+        <p:nvSpPr>
+          <p:cNvPr id="37" name="Text 35"/>
+          <p:cNvSpPr/>
+          <p:nvPr/>
+        </p:nvSpPr>
+        <p:spPr>
+          <a:xfrm>
+            <a:off x="2285851" y="3199358"/>
+            <a:ext cx="2124355" cy="301526"/>
+          </a:xfrm>
+          <a:prstGeom prst="rect">
+            <a:avLst/>
+          </a:prstGeom>
+          <a:noFill/>
+          <a:ln/>
+        </p:spPr>
+        <p:txBody>
+          <a:bodyPr wrap="square" lIns="88900" tIns="50800" rIns="88900" bIns="50800" rtlCol="0" anchor="t"/>
+          <a:lstStyle/>
+          <a:p>
+            <a:pPr algn="l" indent="0" marL="0">
+              <a:buNone/>
+            </a:pPr>
+            <a:r>
+              <a:rPr lang="en-US" sz="1300" dirty="0">
+                <a:solidFill>
+                  <a:srgbClr val="2C2C2C"/>
+                </a:solidFill>
+                <a:latin typeface="Arial" pitchFamily="34" charset="0"/>
+                <a:ea typeface="Arial" pitchFamily="34" charset="-122"/>
+                <a:cs typeface="Arial" pitchFamily="34" charset="-120"/>
+              </a:rPr>
+              <a:t>Double-booking</a:t>
+            </a:r>
+            <a:endParaRPr lang="en-US" sz="1300" dirty="0"/>
+          </a:p>
+        </p:txBody>
+      </p:sp>
+      <p:sp>
+        <p:nvSpPr>
+          <p:cNvPr id="38" name="Text 36"/>
+          <p:cNvSpPr/>
+          <p:nvPr/>
+        </p:nvSpPr>
+        <p:spPr>
+          <a:xfrm>
+            <a:off x="4368552" y="3199358"/>
+            <a:ext cx="4404613" cy="301526"/>
+          </a:xfrm>
+          <a:prstGeom prst="rect">
+            <a:avLst/>
+          </a:prstGeom>
+          <a:noFill/>
+          <a:ln/>
+        </p:spPr>
+        <p:txBody>
+          <a:bodyPr wrap="square" lIns="88900" tIns="50800" rIns="88900" bIns="50800" rtlCol="0" anchor="t"/>
+          <a:lstStyle/>
+          <a:p>
+            <a:pPr algn="l" indent="0" marL="0">
+              <a:buNone/>
+            </a:pPr>
+            <a:r>
+              <a:rPr lang="en-US" sz="1300" dirty="0">
+                <a:solidFill>
+                  <a:srgbClr val="2C2C2C"/>
+                </a:solidFill>
+                <a:latin typeface="Arial" pitchFamily="34" charset="0"/>
+                <a:ea typeface="Arial" pitchFamily="34" charset="-122"/>
+                <a:cs typeface="Arial" pitchFamily="34" charset="-120"/>
+              </a:rPr>
+              <a:t>Two tasks needing the same resource at once</a:t>
+            </a:r>
+            <a:endParaRPr lang="en-US" sz="1300" dirty="0"/>
+          </a:p>
+        </p:txBody>
+      </p:sp>
+      <p:sp>
+        <p:nvSpPr>
+          <p:cNvPr id="39" name="Text 37"/>
+          <p:cNvSpPr/>
+          <p:nvPr/>
+        </p:nvSpPr>
+        <p:spPr>
+          <a:xfrm>
+            <a:off x="457200" y="3510409"/>
+            <a:ext cx="8229600" cy="311051"/>
+          </a:xfrm>
+          <a:prstGeom prst="rect">
+            <a:avLst/>
+          </a:prstGeom>
+          <a:solidFill>
+            <a:srgbClr val="F4F1DE"/>
+          </a:solidFill>
+          <a:ln/>
+        </p:spPr>
+        <p:txBody>
+          <a:bodyPr wrap="square" rtlCol="0" anchor="ctr"/>
+          <a:lstStyle/>
+          <a:p>
+            <a:pPr indent="0" marL="0">
+              <a:buNone/>
+            </a:pPr>
+            <a:endParaRPr lang="en-US" dirty="0"/>
+          </a:p>
+        </p:txBody>
+      </p:sp>
+      <p:sp>
+        <p:nvSpPr>
+          <p:cNvPr id="40" name="Shape 38"/>
+          <p:cNvSpPr/>
+          <p:nvPr/>
+        </p:nvSpPr>
+        <p:spPr>
+          <a:xfrm>
+            <a:off x="457200" y="3816697"/>
+            <a:ext cx="8229600" cy="0"/>
+          </a:xfrm>
+          <a:prstGeom prst="line">
+            <a:avLst/>
+          </a:prstGeom>
+          <a:noFill/>
+          <a:ln w="9525">
+            <a:solidFill>
+              <a:srgbClr val="CCCCCC"/>
+            </a:solidFill>
+            <a:prstDash val="solid"/>
+          </a:ln>
+        </p:spPr>
+      </p:sp>
+      <p:sp>
+        <p:nvSpPr>
+          <p:cNvPr id="41" name="Text 39"/>
+          <p:cNvSpPr/>
+          <p:nvPr/>
+        </p:nvSpPr>
+        <p:spPr>
+          <a:xfrm>
+            <a:off x="457200" y="3510409"/>
+            <a:ext cx="1865224" cy="301526"/>
+          </a:xfrm>
+          <a:prstGeom prst="rect">
+            <a:avLst/>
+          </a:prstGeom>
+          <a:noFill/>
+          <a:ln/>
+        </p:spPr>
+        <p:txBody>
+          <a:bodyPr wrap="square" lIns="88900" tIns="50800" rIns="88900" bIns="50800" rtlCol="0" anchor="t"/>
+          <a:lstStyle/>
+          <a:p>
+            <a:pPr algn="l" indent="0" marL="0">
+              <a:buNone/>
+            </a:pPr>
+            <a:r>
+              <a:rPr lang="en-US" sz="1300" dirty="0">
+                <a:solidFill>
+                  <a:srgbClr val="2C2C2C"/>
+                </a:solidFill>
+                <a:latin typeface="Arial" pitchFamily="34" charset="0"/>
+                <a:ea typeface="Arial" pitchFamily="34" charset="-122"/>
+                <a:cs typeface="Arial" pitchFamily="34" charset="-120"/>
+              </a:rPr>
+              <a:t>Resource bottleneck</a:t>
+            </a:r>
+            <a:endParaRPr lang="en-US" sz="1300" dirty="0"/>
+          </a:p>
+        </p:txBody>
+      </p:sp>
+      <p:sp>
+        <p:nvSpPr>
+          <p:cNvPr id="42" name="Text 40"/>
+          <p:cNvSpPr/>
+          <p:nvPr/>
+        </p:nvSpPr>
+        <p:spPr>
+          <a:xfrm>
+            <a:off x="2285851" y="3510409"/>
+            <a:ext cx="2124355" cy="301526"/>
+          </a:xfrm>
+          <a:prstGeom prst="rect">
+            <a:avLst/>
+          </a:prstGeom>
+          <a:noFill/>
+          <a:ln/>
+        </p:spPr>
+        <p:txBody>
+          <a:bodyPr wrap="square" lIns="88900" tIns="50800" rIns="88900" bIns="50800" rtlCol="0" anchor="t"/>
+          <a:lstStyle/>
+          <a:p>
+            <a:pPr algn="l" indent="0" marL="0">
+              <a:buNone/>
+            </a:pPr>
+            <a:r>
+              <a:rPr lang="en-US" sz="1300" dirty="0">
+                <a:solidFill>
+                  <a:srgbClr val="2C2C2C"/>
+                </a:solidFill>
+                <a:latin typeface="Arial" pitchFamily="34" charset="0"/>
+                <a:ea typeface="Arial" pitchFamily="34" charset="-122"/>
+                <a:cs typeface="Arial" pitchFamily="34" charset="-120"/>
+              </a:rPr>
+              <a:t>Traffic jam</a:t>
+            </a:r>
+            <a:endParaRPr lang="en-US" sz="1300" dirty="0"/>
+          </a:p>
+        </p:txBody>
+      </p:sp>
+      <p:sp>
+        <p:nvSpPr>
+          <p:cNvPr id="43" name="Text 41"/>
+          <p:cNvSpPr/>
+          <p:nvPr/>
+        </p:nvSpPr>
+        <p:spPr>
+          <a:xfrm>
+            <a:off x="4368552" y="3510409"/>
+            <a:ext cx="4404613" cy="301526"/>
+          </a:xfrm>
+          <a:prstGeom prst="rect">
+            <a:avLst/>
+          </a:prstGeom>
+          <a:noFill/>
+          <a:ln/>
+        </p:spPr>
+        <p:txBody>
+          <a:bodyPr wrap="square" lIns="88900" tIns="50800" rIns="88900" bIns="50800" rtlCol="0" anchor="t"/>
+          <a:lstStyle/>
+          <a:p>
+            <a:pPr algn="l" indent="0" marL="0">
+              <a:buNone/>
+            </a:pPr>
+            <a:r>
+              <a:rPr lang="en-US" sz="1300" dirty="0">
+                <a:solidFill>
+                  <a:srgbClr val="2C2C2C"/>
+                </a:solidFill>
+                <a:latin typeface="Arial" pitchFamily="34" charset="0"/>
+                <a:ea typeface="Arial" pitchFamily="34" charset="-122"/>
+                <a:cs typeface="Arial" pitchFamily="34" charset="-120"/>
+              </a:rPr>
+              <a:t>Demand exceeds availability in a period</a:t>
+            </a:r>
+            <a:endParaRPr lang="en-US" sz="1300" dirty="0"/>
+          </a:p>
+        </p:txBody>
+      </p:sp>
+      <p:sp>
+        <p:nvSpPr>
+          <p:cNvPr id="44" name="Text 42"/>
+          <p:cNvSpPr/>
+          <p:nvPr/>
+        </p:nvSpPr>
+        <p:spPr>
+          <a:xfrm>
+            <a:off x="457200" y="3821460"/>
+            <a:ext cx="8229600" cy="311051"/>
+          </a:xfrm>
+          <a:prstGeom prst="rect">
+            <a:avLst/>
+          </a:prstGeom>
+          <a:solidFill>
+            <a:srgbClr val="FFFFFF"/>
+          </a:solidFill>
+          <a:ln/>
+        </p:spPr>
+        <p:txBody>
+          <a:bodyPr wrap="square" rtlCol="0" anchor="ctr"/>
+          <a:lstStyle/>
+          <a:p>
+            <a:pPr indent="0" marL="0">
+              <a:buNone/>
+            </a:pPr>
+            <a:endParaRPr lang="en-US" dirty="0"/>
+          </a:p>
+        </p:txBody>
+      </p:sp>
+      <p:sp>
+        <p:nvSpPr>
+          <p:cNvPr id="45" name="Shape 43"/>
+          <p:cNvSpPr/>
+          <p:nvPr/>
+        </p:nvSpPr>
+        <p:spPr>
+          <a:xfrm>
+            <a:off x="457200" y="4127748"/>
+            <a:ext cx="8229600" cy="0"/>
+          </a:xfrm>
+          <a:prstGeom prst="line">
+            <a:avLst/>
+          </a:prstGeom>
+          <a:noFill/>
+          <a:ln w="9525">
+            <a:solidFill>
+              <a:srgbClr val="CCCCCC"/>
+            </a:solidFill>
+            <a:prstDash val="solid"/>
+          </a:ln>
+        </p:spPr>
+      </p:sp>
+      <p:sp>
+        <p:nvSpPr>
+          <p:cNvPr id="46" name="Text 44"/>
+          <p:cNvSpPr/>
+          <p:nvPr/>
+        </p:nvSpPr>
+        <p:spPr>
+          <a:xfrm>
+            <a:off x="457200" y="3821460"/>
+            <a:ext cx="1865224" cy="301526"/>
+          </a:xfrm>
+          <a:prstGeom prst="rect">
+            <a:avLst/>
+          </a:prstGeom>
+          <a:noFill/>
+          <a:ln/>
+        </p:spPr>
+        <p:txBody>
+          <a:bodyPr wrap="square" lIns="88900" tIns="50800" rIns="88900" bIns="50800" rtlCol="0" anchor="t"/>
+          <a:lstStyle/>
+          <a:p>
+            <a:pPr algn="l" indent="0" marL="0">
+              <a:buNone/>
+            </a:pPr>
+            <a:r>
+              <a:rPr lang="en-US" sz="1300" dirty="0">
+                <a:solidFill>
+                  <a:srgbClr val="2C2C2C"/>
+                </a:solidFill>
+                <a:latin typeface="Arial" pitchFamily="34" charset="0"/>
+                <a:ea typeface="Arial" pitchFamily="34" charset="-122"/>
+                <a:cs typeface="Arial" pitchFamily="34" charset="-120"/>
+              </a:rPr>
+              <a:t>Missing dependency</a:t>
+            </a:r>
+            <a:endParaRPr lang="en-US" sz="1300" dirty="0"/>
+          </a:p>
+        </p:txBody>
+      </p:sp>
+      <p:sp>
+        <p:nvSpPr>
+          <p:cNvPr id="47" name="Text 45"/>
+          <p:cNvSpPr/>
+          <p:nvPr/>
+        </p:nvSpPr>
+        <p:spPr>
+          <a:xfrm>
+            <a:off x="2285851" y="3821460"/>
+            <a:ext cx="2124355" cy="301526"/>
+          </a:xfrm>
+          <a:prstGeom prst="rect">
+            <a:avLst/>
+          </a:prstGeom>
+          <a:noFill/>
+          <a:ln/>
+        </p:spPr>
+        <p:txBody>
+          <a:bodyPr wrap="square" lIns="88900" tIns="50800" rIns="88900" bIns="50800" rtlCol="0" anchor="t"/>
+          <a:lstStyle/>
+          <a:p>
+            <a:pPr algn="l" indent="0" marL="0">
+              <a:buNone/>
+            </a:pPr>
+            <a:r>
+              <a:rPr lang="en-US" sz="1300" dirty="0">
+                <a:solidFill>
+                  <a:srgbClr val="2C2C2C"/>
+                </a:solidFill>
+                <a:latin typeface="Arial" pitchFamily="34" charset="0"/>
+                <a:ea typeface="Arial" pitchFamily="34" charset="-122"/>
+                <a:cs typeface="Arial" pitchFamily="34" charset="-120"/>
+              </a:rPr>
+              <a:t>Forgot a step</a:t>
+            </a:r>
+            <a:endParaRPr lang="en-US" sz="1300" dirty="0"/>
+          </a:p>
+        </p:txBody>
+      </p:sp>
+      <p:sp>
+        <p:nvSpPr>
+          <p:cNvPr id="48" name="Text 46"/>
+          <p:cNvSpPr/>
+          <p:nvPr/>
+        </p:nvSpPr>
+        <p:spPr>
+          <a:xfrm>
+            <a:off x="4368552" y="3821460"/>
+            <a:ext cx="4404613" cy="301526"/>
+          </a:xfrm>
+          <a:prstGeom prst="rect">
+            <a:avLst/>
+          </a:prstGeom>
+          <a:noFill/>
+          <a:ln/>
+        </p:spPr>
+        <p:txBody>
+          <a:bodyPr wrap="square" lIns="88900" tIns="50800" rIns="88900" bIns="50800" rtlCol="0" anchor="t"/>
+          <a:lstStyle/>
+          <a:p>
+            <a:pPr algn="l" indent="0" marL="0">
+              <a:buNone/>
+            </a:pPr>
+            <a:r>
+              <a:rPr lang="en-US" sz="1300" dirty="0">
+                <a:solidFill>
+                  <a:srgbClr val="2C2C2C"/>
+                </a:solidFill>
+                <a:latin typeface="Arial" pitchFamily="34" charset="0"/>
+                <a:ea typeface="Arial" pitchFamily="34" charset="-122"/>
+                <a:cs typeface="Arial" pitchFamily="34" charset="-120"/>
+              </a:rPr>
+              <a:t>A prerequisite task not on the schedule</a:t>
+            </a:r>
+            <a:endParaRPr lang="en-US" sz="1300" dirty="0"/>
           </a:p>
         </p:txBody>
       </p:sp>
@@ -9138,7 +11671,7 @@
     <p:bg>
       <p:bgPr>
         <a:solidFill>
-          <a:srgbClr val="FFFFFF"/>
+          <a:srgbClr val="F4F1DE"/>
         </a:solidFill>
       </p:bgPr>
     </p:bg>
@@ -9165,7 +11698,7 @@
         <p:spPr>
           <a:xfrm>
             <a:off x="0" y="0"/>
-            <a:ext cx="9144000" cy="863501"/>
+            <a:ext cx="9144000" cy="914102"/>
           </a:xfrm>
           <a:prstGeom prst="rect">
             <a:avLst/>
@@ -9194,7 +11727,7 @@
         </p:nvSpPr>
         <p:spPr>
           <a:xfrm>
-            <a:off x="355550" y="246013"/>
+            <a:off x="457200" y="271314"/>
             <a:ext cx="5307699" cy="371475"/>
           </a:xfrm>
           <a:prstGeom prst="rect">
@@ -9233,8 +11766,8 @@
         </p:nvSpPr>
         <p:spPr>
           <a:xfrm>
-            <a:off x="542041" y="1211312"/>
-            <a:ext cx="8059918" cy="376982"/>
+            <a:off x="1274347" y="1450330"/>
+            <a:ext cx="6595306" cy="266700"/>
           </a:xfrm>
           <a:prstGeom prst="rect">
             <a:avLst/>
@@ -9247,19 +11780,13 @@
           <a:lstStyle/>
           <a:p>
             <a:pPr algn="ctr" indent="0" marL="0">
-              <a:lnSpc>
-                <a:spcPts val="2970"/>
-              </a:lnSpc>
-              <a:spcBef>
-                <a:spcPts val="500"/>
-              </a:spcBef>
-              <a:spcAft>
-                <a:spcPts val="500"/>
-              </a:spcAft>
-              <a:buNone/>
-            </a:pPr>
-            <a:r>
-              <a:rPr lang="en-US" sz="2200" b="1" dirty="0">
+              <a:spcAft>
+                <a:spcPts val="600"/>
+              </a:spcAft>
+              <a:buNone/>
+            </a:pPr>
+            <a:r>
+              <a:rPr lang="en-US" sz="1800" b="1" dirty="0">
                 <a:solidFill>
                   <a:srgbClr val="2C2C2C"/>
                 </a:solidFill>
@@ -9269,7 +11796,7 @@
               </a:rPr>
               <a:t>How do you currently see your whole farm season at once?</a:t>
             </a:r>
-            <a:endParaRPr lang="en-US" sz="2200" dirty="0"/>
+            <a:endParaRPr lang="en-US" sz="1800" dirty="0"/>
           </a:p>
         </p:txBody>
       </p:sp>
@@ -9281,23 +11808,20 @@
         </p:nvSpPr>
         <p:spPr>
           <a:xfrm>
-            <a:off x="1778050" y="1715095"/>
-            <a:ext cx="5587901" cy="1493044"/>
-          </a:xfrm>
-          <a:prstGeom prst="rect">
-            <a:avLst/>
-          </a:prstGeom>
-          <a:noFill/>
-          <a:ln/>
-        </p:spPr>
-        <p:txBody>
-          <a:bodyPr wrap="square" lIns="165100" tIns="0" rIns="0" bIns="0" rtlCol="0" anchor="t"/>
-          <a:lstStyle/>
-          <a:p>
-            <a:pPr algn="l" marL="165100" indent="-165100">
-              <a:lnSpc>
-                <a:spcPts val="2565"/>
-              </a:lnSpc>
+            <a:off x="1928664" y="1869430"/>
+            <a:ext cx="5286524" cy="1219200"/>
+          </a:xfrm>
+          <a:prstGeom prst="rect">
+            <a:avLst/>
+          </a:prstGeom>
+          <a:noFill/>
+          <a:ln/>
+        </p:spPr>
+        <p:txBody>
+          <a:bodyPr wrap="square" lIns="152400" tIns="0" rIns="0" bIns="0" rtlCol="0" anchor="t"/>
+          <a:lstStyle/>
+          <a:p>
+            <a:pPr algn="l" marL="152400" indent="-152400">
               <a:spcAft>
                 <a:spcPts val="300"/>
               </a:spcAft>
@@ -9305,7 +11829,7 @@
               <a:buChar char="•"/>
             </a:pPr>
             <a:r>
-              <a:rPr lang="en-US" sz="1900" dirty="0">
+              <a:rPr lang="en-US" sz="1800" dirty="0">
                 <a:solidFill>
                   <a:srgbClr val="2C2C2C"/>
                 </a:solidFill>
@@ -9315,13 +11839,10 @@
               </a:rPr>
               <a:t>A wall calendar with sticky notes?</a:t>
             </a:r>
-            <a:endParaRPr lang="en-US" sz="1900" dirty="0"/>
-          </a:p>
-          <a:p>
-            <a:pPr algn="l" marL="165100" indent="-165100">
-              <a:lnSpc>
-                <a:spcPts val="2565"/>
-              </a:lnSpc>
+            <a:endParaRPr lang="en-US" sz="1800" dirty="0"/>
+          </a:p>
+          <a:p>
+            <a:pPr algn="l" marL="152400" indent="-152400">
               <a:spcAft>
                 <a:spcPts val="300"/>
               </a:spcAft>
@@ -9329,7 +11850,7 @@
               <a:buChar char="•"/>
             </a:pPr>
             <a:r>
-              <a:rPr lang="en-US" sz="1900" dirty="0">
+              <a:rPr lang="en-US" sz="1800" dirty="0">
                 <a:solidFill>
                   <a:srgbClr val="2C2C2C"/>
                 </a:solidFill>
@@ -9339,13 +11860,10 @@
               </a:rPr>
               <a:t>A spreadsheet with color-coded rows?</a:t>
             </a:r>
-            <a:endParaRPr lang="en-US" sz="1900" dirty="0"/>
-          </a:p>
-          <a:p>
-            <a:pPr algn="l" marL="165100" indent="-165100">
-              <a:lnSpc>
-                <a:spcPts val="2565"/>
-              </a:lnSpc>
+            <a:endParaRPr lang="en-US" sz="1800" dirty="0"/>
+          </a:p>
+          <a:p>
+            <a:pPr algn="l" marL="152400" indent="-152400">
               <a:spcAft>
                 <a:spcPts val="300"/>
               </a:spcAft>
@@ -9353,7 +11871,7 @@
               <a:buChar char="•"/>
             </a:pPr>
             <a:r>
-              <a:rPr lang="en-US" sz="1900" dirty="0">
+              <a:rPr lang="en-US" sz="1800" dirty="0">
                 <a:solidFill>
                   <a:srgbClr val="2C2C2C"/>
                 </a:solidFill>
@@ -9363,13 +11881,10 @@
               </a:rPr>
               <a:t>A planner book you flip through month by month?</a:t>
             </a:r>
-            <a:endParaRPr lang="en-US" sz="1900" dirty="0"/>
-          </a:p>
-          <a:p>
-            <a:pPr algn="l" marL="165100" indent="-165100">
-              <a:lnSpc>
-                <a:spcPts val="2565"/>
-              </a:lnSpc>
+            <a:endParaRPr lang="en-US" sz="1800" dirty="0"/>
+          </a:p>
+          <a:p>
+            <a:pPr algn="l" marL="152400" indent="-152400">
               <a:spcAft>
                 <a:spcPts val="300"/>
               </a:spcAft>
@@ -9377,7 +11892,7 @@
               <a:buChar char="•"/>
             </a:pPr>
             <a:r>
-              <a:rPr lang="en-US" sz="1900" dirty="0">
+              <a:rPr lang="en-US" sz="1800" dirty="0">
                 <a:solidFill>
                   <a:srgbClr val="2C2C2C"/>
                 </a:solidFill>
@@ -9387,7 +11902,7 @@
               </a:rPr>
               <a:t>Keeping it all in your head?</a:t>
             </a:r>
-            <a:endParaRPr lang="en-US" sz="1900" dirty="0"/>
+            <a:endParaRPr lang="en-US" sz="1800" dirty="0"/>
           </a:p>
         </p:txBody>
       </p:sp>
@@ -9399,8 +11914,8 @@
         </p:nvSpPr>
         <p:spPr>
           <a:xfrm>
-            <a:off x="355550" y="3373041"/>
-            <a:ext cx="8432899" cy="1384548"/>
+            <a:off x="457200" y="3291780"/>
+            <a:ext cx="8229600" cy="1213842"/>
           </a:xfrm>
           <a:prstGeom prst="rect">
             <a:avLst/>
@@ -9429,14 +11944,14 @@
         </p:nvSpPr>
         <p:spPr>
           <a:xfrm>
-            <a:off x="384125" y="3373041"/>
-            <a:ext cx="0" cy="1384548"/>
+            <a:off x="495300" y="3291780"/>
+            <a:ext cx="0" cy="1213842"/>
           </a:xfrm>
           <a:prstGeom prst="line">
             <a:avLst/>
           </a:prstGeom>
           <a:noFill/>
-          <a:ln w="57150">
+          <a:ln w="76200">
             <a:solidFill>
               <a:srgbClr val="4E9F3D"/>
             </a:solidFill>
@@ -9452,8 +11967,8 @@
         </p:nvSpPr>
         <p:spPr>
           <a:xfrm>
-            <a:off x="510198" y="3499842"/>
-            <a:ext cx="8180755" cy="1130945"/>
+            <a:off x="736550" y="3418731"/>
+            <a:ext cx="7902041" cy="959941"/>
           </a:xfrm>
           <a:prstGeom prst="rect">
             <a:avLst/>
@@ -9465,20 +11980,14 @@
           <a:bodyPr wrap="square" lIns="0" tIns="0" rIns="0" bIns="0" rtlCol="0" anchor="t"/>
           <a:lstStyle/>
           <a:p>
-            <a:pPr algn="ctr" indent="0" marL="0">
-              <a:lnSpc>
-                <a:spcPts val="2970"/>
-              </a:lnSpc>
-              <a:spcBef>
-                <a:spcPts val="200"/>
-              </a:spcBef>
-              <a:spcAft>
-                <a:spcPts val="200"/>
-              </a:spcAft>
-              <a:buNone/>
-            </a:pPr>
-            <a:r>
-              <a:rPr lang="en-US" sz="2200" dirty="0">
+            <a:pPr algn="l" indent="0" marL="0">
+              <a:lnSpc>
+                <a:spcPts val="2520"/>
+              </a:lnSpc>
+              <a:buNone/>
+            </a:pPr>
+            <a:r>
+              <a:rPr lang="en-US" sz="1800" dirty="0">
                 <a:solidFill>
                   <a:srgbClr val="1E5128"/>
                 </a:solidFill>
@@ -9488,20 +11997,14 @@
               </a:rPr>
               <a:t>What if you could see every planting date, harvest window, equipment service, and livestock milestone on </a:t>
             </a:r>
-            <a:pPr algn="ctr" indent="0" marL="0">
-              <a:lnSpc>
-                <a:spcPts val="2970"/>
-              </a:lnSpc>
-              <a:spcBef>
-                <a:spcPts val="200"/>
-              </a:spcBef>
-              <a:spcAft>
-                <a:spcPts val="200"/>
-              </a:spcAft>
-              <a:buNone/>
-            </a:pPr>
-            <a:r>
-              <a:rPr lang="en-US" sz="2200" b="1" dirty="0">
+            <a:pPr algn="l" indent="0" marL="0">
+              <a:lnSpc>
+                <a:spcPts val="2520"/>
+              </a:lnSpc>
+              <a:buNone/>
+            </a:pPr>
+            <a:r>
+              <a:rPr lang="en-US" sz="1800" b="1" dirty="0">
                 <a:solidFill>
                   <a:srgbClr val="1E5128"/>
                 </a:solidFill>
@@ -9511,20 +12014,14 @@
               </a:rPr>
               <a:t>one screen</a:t>
             </a:r>
-            <a:pPr algn="ctr" indent="0" marL="0">
-              <a:lnSpc>
-                <a:spcPts val="2970"/>
-              </a:lnSpc>
-              <a:spcBef>
-                <a:spcPts val="200"/>
-              </a:spcBef>
-              <a:spcAft>
-                <a:spcPts val="200"/>
-              </a:spcAft>
-              <a:buNone/>
-            </a:pPr>
-            <a:r>
-              <a:rPr lang="en-US" sz="2200" dirty="0">
+            <a:pPr algn="l" indent="0" marL="0">
+              <a:lnSpc>
+                <a:spcPts val="2520"/>
+              </a:lnSpc>
+              <a:buNone/>
+            </a:pPr>
+            <a:r>
+              <a:rPr lang="en-US" sz="1800" dirty="0">
                 <a:solidFill>
                   <a:srgbClr val="1E5128"/>
                 </a:solidFill>
@@ -9534,7 +12031,7 @@
               </a:rPr>
               <a:t> — and move things around when plans change?</a:t>
             </a:r>
-            <a:endParaRPr lang="en-US" sz="2200" dirty="0"/>
+            <a:endParaRPr lang="en-US" sz="1800" dirty="0"/>
           </a:p>
         </p:txBody>
       </p:sp>
